--- a/kma_Web_API.pptx
+++ b/kma_Web_API.pptx
@@ -6,7 +6,7 @@
     <p:sldMasterId id="2147483663" r:id="rId2"/>
   </p:sldMasterIdLst>
   <p:notesMasterIdLst>
-    <p:notesMasterId r:id="rId31"/>
+    <p:notesMasterId r:id="rId22"/>
   </p:notesMasterIdLst>
   <p:sldIdLst>
     <p:sldId id="256" r:id="rId3"/>
@@ -26,17 +26,8 @@
     <p:sldId id="292" r:id="rId17"/>
     <p:sldId id="293" r:id="rId18"/>
     <p:sldId id="294" r:id="rId19"/>
-    <p:sldId id="296" r:id="rId20"/>
-    <p:sldId id="297" r:id="rId21"/>
-    <p:sldId id="298" r:id="rId22"/>
-    <p:sldId id="299" r:id="rId23"/>
-    <p:sldId id="300" r:id="rId24"/>
-    <p:sldId id="301" r:id="rId25"/>
-    <p:sldId id="302" r:id="rId26"/>
-    <p:sldId id="303" r:id="rId27"/>
-    <p:sldId id="304" r:id="rId28"/>
-    <p:sldId id="305" r:id="rId29"/>
-    <p:sldId id="306" r:id="rId30"/>
+    <p:sldId id="297" r:id="rId20"/>
+    <p:sldId id="301" r:id="rId21"/>
   </p:sldIdLst>
   <p:sldSz cx="12192000" cy="6858000"/>
   <p:notesSz cx="6858000" cy="9144000"/>
@@ -225,7 +216,7 @@
           <a:p>
             <a:fld id="{3C76E129-AACD-478E-B398-DE4A9C95C8F7}" type="datetimeFigureOut">
               <a:rPr lang="lt-LT" smtClean="0"/>
-              <a:t>2018-04-03</a:t>
+              <a:t>2018-05-02</a:t>
             </a:fld>
             <a:endParaRPr lang="lt-LT"/>
           </a:p>
@@ -1417,9 +1408,48 @@
           <a:lstStyle/>
           <a:p>
             <a:r>
-              <a:rPr lang="en-US" dirty="0" smtClean="0"/>
-              <a:t>Web API will extract the JSON object from the Request body above and convert it into Student object automatically because names of JSON object properties matches with the name of Student class properties (case-insensitive).</a:t>
-            </a:r>
+              <a:rPr lang="lt-LT" dirty="0" err="1" smtClean="0"/>
+              <a:t>Consider</a:t>
+            </a:r>
+            <a:r>
+              <a:rPr lang="lt-LT" dirty="0" smtClean="0"/>
+              <a:t> </a:t>
+            </a:r>
+            <a:r>
+              <a:rPr lang="lt-LT" dirty="0" err="1" smtClean="0"/>
+              <a:t>the</a:t>
+            </a:r>
+            <a:r>
+              <a:rPr lang="lt-LT" dirty="0" smtClean="0"/>
+              <a:t> </a:t>
+            </a:r>
+            <a:r>
+              <a:rPr lang="lt-LT" dirty="0" err="1" smtClean="0"/>
+              <a:t>following</a:t>
+            </a:r>
+            <a:r>
+              <a:rPr lang="lt-LT" dirty="0" smtClean="0"/>
+              <a:t> </a:t>
+            </a:r>
+            <a:r>
+              <a:rPr lang="lt-LT" dirty="0" err="1" smtClean="0"/>
+              <a:t>example</a:t>
+            </a:r>
+            <a:r>
+              <a:rPr lang="lt-LT" dirty="0" smtClean="0"/>
+              <a:t>. </a:t>
+            </a:r>
+          </a:p>
+          <a:p>
+            <a:endParaRPr lang="lt-LT" dirty="0" smtClean="0"/>
+          </a:p>
+          <a:p>
+            <a:endParaRPr lang="lt-LT" dirty="0" smtClean="0"/>
+          </a:p>
+          <a:p>
+            <a:endParaRPr lang="lt-LT" dirty="0" smtClean="0"/>
+          </a:p>
+          <a:p>
             <a:endParaRPr lang="lt-LT" dirty="0"/>
           </a:p>
         </p:txBody>
@@ -1450,7 +1480,7 @@
     </p:spTree>
     <p:extLst>
       <p:ext uri="{BB962C8B-B14F-4D97-AF65-F5344CB8AC3E}">
-        <p14:creationId xmlns:p14="http://schemas.microsoft.com/office/powerpoint/2010/main" val="42513306"/>
+        <p14:creationId xmlns:p14="http://schemas.microsoft.com/office/powerpoint/2010/main" val="1200806849"/>
       </p:ext>
     </p:extLst>
   </p:cSld>
@@ -1504,49 +1534,6 @@
           <a:bodyPr/>
           <a:lstStyle/>
           <a:p>
-            <a:r>
-              <a:rPr lang="lt-LT" dirty="0" err="1" smtClean="0"/>
-              <a:t>Consider</a:t>
-            </a:r>
-            <a:r>
-              <a:rPr lang="lt-LT" dirty="0" smtClean="0"/>
-              <a:t> </a:t>
-            </a:r>
-            <a:r>
-              <a:rPr lang="lt-LT" dirty="0" err="1" smtClean="0"/>
-              <a:t>the</a:t>
-            </a:r>
-            <a:r>
-              <a:rPr lang="lt-LT" dirty="0" smtClean="0"/>
-              <a:t> </a:t>
-            </a:r>
-            <a:r>
-              <a:rPr lang="lt-LT" dirty="0" err="1" smtClean="0"/>
-              <a:t>following</a:t>
-            </a:r>
-            <a:r>
-              <a:rPr lang="lt-LT" dirty="0" smtClean="0"/>
-              <a:t> </a:t>
-            </a:r>
-            <a:r>
-              <a:rPr lang="lt-LT" dirty="0" err="1" smtClean="0"/>
-              <a:t>example</a:t>
-            </a:r>
-            <a:r>
-              <a:rPr lang="lt-LT" dirty="0" smtClean="0"/>
-              <a:t>. </a:t>
-            </a:r>
-          </a:p>
-          <a:p>
-            <a:endParaRPr lang="lt-LT" dirty="0" smtClean="0"/>
-          </a:p>
-          <a:p>
-            <a:endParaRPr lang="lt-LT" dirty="0" smtClean="0"/>
-          </a:p>
-          <a:p>
-            <a:endParaRPr lang="lt-LT" dirty="0" smtClean="0"/>
-          </a:p>
-          <a:p>
             <a:endParaRPr lang="lt-LT" dirty="0"/>
           </a:p>
         </p:txBody>
@@ -1577,7 +1564,7 @@
     </p:spTree>
     <p:extLst>
       <p:ext uri="{BB962C8B-B14F-4D97-AF65-F5344CB8AC3E}">
-        <p14:creationId xmlns:p14="http://schemas.microsoft.com/office/powerpoint/2010/main" val="1200806849"/>
+        <p14:creationId xmlns:p14="http://schemas.microsoft.com/office/powerpoint/2010/main" val="618443725"/>
       </p:ext>
     </p:extLst>
   </p:cSld>
@@ -1670,2163 +1657,6 @@
     <p:extLst>
       <p:ext uri="{BB962C8B-B14F-4D97-AF65-F5344CB8AC3E}">
         <p14:creationId xmlns:p14="http://schemas.microsoft.com/office/powerpoint/2010/main" val="2633062273"/>
-      </p:ext>
-    </p:extLst>
-  </p:cSld>
-  <p:clrMapOvr>
-    <a:masterClrMapping/>
-  </p:clrMapOvr>
-</p:notes>
-</file>
-
-<file path=ppt/notesSlides/notesSlide20.xml><?xml version="1.0" encoding="utf-8"?>
-<p:notes xmlns:a="http://schemas.openxmlformats.org/drawingml/2006/main" xmlns:r="http://schemas.openxmlformats.org/officeDocument/2006/relationships" xmlns:p="http://schemas.openxmlformats.org/presentationml/2006/main">
-  <p:cSld>
-    <p:spTree>
-      <p:nvGrpSpPr>
-        <p:cNvPr id="1" name=""/>
-        <p:cNvGrpSpPr/>
-        <p:nvPr/>
-      </p:nvGrpSpPr>
-      <p:grpSpPr>
-        <a:xfrm>
-          <a:off x="0" y="0"/>
-          <a:ext cx="0" cy="0"/>
-          <a:chOff x="0" y="0"/>
-          <a:chExt cx="0" cy="0"/>
-        </a:xfrm>
-      </p:grpSpPr>
-      <p:sp>
-        <p:nvSpPr>
-          <p:cNvPr id="2" name="Skaidrės vaizdo vietos rezervavimo ženklas 1"/>
-          <p:cNvSpPr>
-            <a:spLocks noGrp="1" noRot="1" noChangeAspect="1"/>
-          </p:cNvSpPr>
-          <p:nvPr>
-            <p:ph type="sldImg"/>
-          </p:nvPr>
-        </p:nvSpPr>
-        <p:spPr/>
-      </p:sp>
-      <p:sp>
-        <p:nvSpPr>
-          <p:cNvPr id="3" name="Pastabų vietos rezervavimo ženklas 2"/>
-          <p:cNvSpPr>
-            <a:spLocks noGrp="1"/>
-          </p:cNvSpPr>
-          <p:nvPr>
-            <p:ph type="body" idx="1"/>
-          </p:nvPr>
-        </p:nvSpPr>
-        <p:spPr/>
-        <p:txBody>
-          <a:bodyPr/>
-          <a:lstStyle/>
-          <a:p>
-            <a:r>
-              <a:rPr lang="en-US" dirty="0" smtClean="0"/>
-              <a:t>The above Post method includes both primitive and complex type parameter. So, by default , Web API will get the id parameter from query string and student parameter from the request body. </a:t>
-            </a:r>
-          </a:p>
-          <a:p>
-            <a:r>
-              <a:rPr lang="en-US" dirty="0" smtClean="0"/>
-              <a:t>Following is a valid HTTP POST request in the fiddler for the above action method. </a:t>
-            </a:r>
-          </a:p>
-          <a:p>
-            <a:endParaRPr lang="lt-LT" dirty="0"/>
-          </a:p>
-        </p:txBody>
-      </p:sp>
-      <p:sp>
-        <p:nvSpPr>
-          <p:cNvPr id="4" name="Skaidrės numerio vietos rezervavimo ženklas 3"/>
-          <p:cNvSpPr>
-            <a:spLocks noGrp="1"/>
-          </p:cNvSpPr>
-          <p:nvPr>
-            <p:ph type="sldNum" sz="quarter" idx="10"/>
-          </p:nvPr>
-        </p:nvSpPr>
-        <p:spPr/>
-        <p:txBody>
-          <a:bodyPr/>
-          <a:lstStyle/>
-          <a:p>
-            <a:fld id="{F5A93429-AF35-4FD3-A240-E9874732C65F}" type="slidenum">
-              <a:rPr lang="lt-LT" smtClean="0"/>
-              <a:t>20</a:t>
-            </a:fld>
-            <a:endParaRPr lang="lt-LT"/>
-          </a:p>
-        </p:txBody>
-      </p:sp>
-    </p:spTree>
-    <p:extLst>
-      <p:ext uri="{BB962C8B-B14F-4D97-AF65-F5344CB8AC3E}">
-        <p14:creationId xmlns:p14="http://schemas.microsoft.com/office/powerpoint/2010/main" val="2812891262"/>
-      </p:ext>
-    </p:extLst>
-  </p:cSld>
-  <p:clrMapOvr>
-    <a:masterClrMapping/>
-  </p:clrMapOvr>
-</p:notes>
-</file>
-
-<file path=ppt/notesSlides/notesSlide21.xml><?xml version="1.0" encoding="utf-8"?>
-<p:notes xmlns:a="http://schemas.openxmlformats.org/drawingml/2006/main" xmlns:r="http://schemas.openxmlformats.org/officeDocument/2006/relationships" xmlns:p="http://schemas.openxmlformats.org/presentationml/2006/main">
-  <p:cSld>
-    <p:spTree>
-      <p:nvGrpSpPr>
-        <p:cNvPr id="1" name=""/>
-        <p:cNvGrpSpPr/>
-        <p:nvPr/>
-      </p:nvGrpSpPr>
-      <p:grpSpPr>
-        <a:xfrm>
-          <a:off x="0" y="0"/>
-          <a:ext cx="0" cy="0"/>
-          <a:chOff x="0" y="0"/>
-          <a:chExt cx="0" cy="0"/>
-        </a:xfrm>
-      </p:grpSpPr>
-      <p:sp>
-        <p:nvSpPr>
-          <p:cNvPr id="2" name="Skaidrės vaizdo vietos rezervavimo ženklas 1"/>
-          <p:cNvSpPr>
-            <a:spLocks noGrp="1" noRot="1" noChangeAspect="1"/>
-          </p:cNvSpPr>
-          <p:nvPr>
-            <p:ph type="sldImg"/>
-          </p:nvPr>
-        </p:nvSpPr>
-        <p:spPr/>
-      </p:sp>
-      <p:sp>
-        <p:nvSpPr>
-          <p:cNvPr id="3" name="Pastabų vietos rezervavimo ženklas 2"/>
-          <p:cNvSpPr>
-            <a:spLocks noGrp="1"/>
-          </p:cNvSpPr>
-          <p:nvPr>
-            <p:ph type="body" idx="1"/>
-          </p:nvPr>
-        </p:nvSpPr>
-        <p:spPr/>
-        <p:txBody>
-          <a:bodyPr/>
-          <a:lstStyle/>
-          <a:p>
-            <a:r>
-              <a:rPr lang="en-US" dirty="0" smtClean="0"/>
-              <a:t>In the above example, Get method includes complex type parameter with [</a:t>
-            </a:r>
-            <a:r>
-              <a:rPr lang="en-US" dirty="0" err="1" smtClean="0"/>
-              <a:t>FromUri</a:t>
-            </a:r>
-            <a:r>
-              <a:rPr lang="en-US" dirty="0" smtClean="0"/>
-              <a:t>] attribute. So, Web API will try to get the value of Student type parameter from the query string. For example, if an HTTP GET request http://localhost:xxxx/api/student?id=1&amp;name=steve then Web API will create Student object and set its id and name property values to the value of id and name query string. </a:t>
-            </a:r>
-            <a:endParaRPr lang="lt-LT" dirty="0"/>
-          </a:p>
-        </p:txBody>
-      </p:sp>
-      <p:sp>
-        <p:nvSpPr>
-          <p:cNvPr id="4" name="Skaidrės numerio vietos rezervavimo ženklas 3"/>
-          <p:cNvSpPr>
-            <a:spLocks noGrp="1"/>
-          </p:cNvSpPr>
-          <p:nvPr>
-            <p:ph type="sldNum" sz="quarter" idx="10"/>
-          </p:nvPr>
-        </p:nvSpPr>
-        <p:spPr/>
-        <p:txBody>
-          <a:bodyPr/>
-          <a:lstStyle/>
-          <a:p>
-            <a:fld id="{F5A93429-AF35-4FD3-A240-E9874732C65F}" type="slidenum">
-              <a:rPr lang="lt-LT" smtClean="0"/>
-              <a:t>21</a:t>
-            </a:fld>
-            <a:endParaRPr lang="lt-LT"/>
-          </a:p>
-        </p:txBody>
-      </p:sp>
-    </p:spTree>
-    <p:extLst>
-      <p:ext uri="{BB962C8B-B14F-4D97-AF65-F5344CB8AC3E}">
-        <p14:creationId xmlns:p14="http://schemas.microsoft.com/office/powerpoint/2010/main" val="1967225708"/>
-      </p:ext>
-    </p:extLst>
-  </p:cSld>
-  <p:clrMapOvr>
-    <a:masterClrMapping/>
-  </p:clrMapOvr>
-</p:notes>
-</file>
-
-<file path=ppt/notesSlides/notesSlide22.xml><?xml version="1.0" encoding="utf-8"?>
-<p:notes xmlns:a="http://schemas.openxmlformats.org/drawingml/2006/main" xmlns:r="http://schemas.openxmlformats.org/officeDocument/2006/relationships" xmlns:p="http://schemas.openxmlformats.org/presentationml/2006/main">
-  <p:cSld>
-    <p:spTree>
-      <p:nvGrpSpPr>
-        <p:cNvPr id="1" name=""/>
-        <p:cNvGrpSpPr/>
-        <p:nvPr/>
-      </p:nvGrpSpPr>
-      <p:grpSpPr>
-        <a:xfrm>
-          <a:off x="0" y="0"/>
-          <a:ext cx="0" cy="0"/>
-          <a:chOff x="0" y="0"/>
-          <a:chExt cx="0" cy="0"/>
-        </a:xfrm>
-      </p:grpSpPr>
-      <p:sp>
-        <p:nvSpPr>
-          <p:cNvPr id="2" name="Skaidrės vaizdo vietos rezervavimo ženklas 1"/>
-          <p:cNvSpPr>
-            <a:spLocks noGrp="1" noRot="1" noChangeAspect="1"/>
-          </p:cNvSpPr>
-          <p:nvPr>
-            <p:ph type="sldImg"/>
-          </p:nvPr>
-        </p:nvSpPr>
-        <p:spPr/>
-      </p:sp>
-      <p:sp>
-        <p:nvSpPr>
-          <p:cNvPr id="3" name="Pastabų vietos rezervavimo ženklas 2"/>
-          <p:cNvSpPr>
-            <a:spLocks noGrp="1"/>
-          </p:cNvSpPr>
-          <p:nvPr>
-            <p:ph type="body" idx="1"/>
-          </p:nvPr>
-        </p:nvSpPr>
-        <p:spPr/>
-        <p:txBody>
-          <a:bodyPr/>
-          <a:lstStyle/>
-          <a:p>
-            <a:endParaRPr lang="lt-LT" dirty="0"/>
-          </a:p>
-        </p:txBody>
-      </p:sp>
-      <p:sp>
-        <p:nvSpPr>
-          <p:cNvPr id="4" name="Skaidrės numerio vietos rezervavimo ženklas 3"/>
-          <p:cNvSpPr>
-            <a:spLocks noGrp="1"/>
-          </p:cNvSpPr>
-          <p:nvPr>
-            <p:ph type="sldNum" sz="quarter" idx="10"/>
-          </p:nvPr>
-        </p:nvSpPr>
-        <p:spPr/>
-        <p:txBody>
-          <a:bodyPr/>
-          <a:lstStyle/>
-          <a:p>
-            <a:fld id="{F5A93429-AF35-4FD3-A240-E9874732C65F}" type="slidenum">
-              <a:rPr lang="lt-LT" smtClean="0"/>
-              <a:t>22</a:t>
-            </a:fld>
-            <a:endParaRPr lang="lt-LT"/>
-          </a:p>
-        </p:txBody>
-      </p:sp>
-    </p:spTree>
-    <p:extLst>
-      <p:ext uri="{BB962C8B-B14F-4D97-AF65-F5344CB8AC3E}">
-        <p14:creationId xmlns:p14="http://schemas.microsoft.com/office/powerpoint/2010/main" val="2121661089"/>
-      </p:ext>
-    </p:extLst>
-  </p:cSld>
-  <p:clrMapOvr>
-    <a:masterClrMapping/>
-  </p:clrMapOvr>
-</p:notes>
-</file>
-
-<file path=ppt/notesSlides/notesSlide23.xml><?xml version="1.0" encoding="utf-8"?>
-<p:notes xmlns:a="http://schemas.openxmlformats.org/drawingml/2006/main" xmlns:r="http://schemas.openxmlformats.org/officeDocument/2006/relationships" xmlns:p="http://schemas.openxmlformats.org/presentationml/2006/main">
-  <p:cSld>
-    <p:spTree>
-      <p:nvGrpSpPr>
-        <p:cNvPr id="1" name=""/>
-        <p:cNvGrpSpPr/>
-        <p:nvPr/>
-      </p:nvGrpSpPr>
-      <p:grpSpPr>
-        <a:xfrm>
-          <a:off x="0" y="0"/>
-          <a:ext cx="0" cy="0"/>
-          <a:chOff x="0" y="0"/>
-          <a:chExt cx="0" cy="0"/>
-        </a:xfrm>
-      </p:grpSpPr>
-      <p:sp>
-        <p:nvSpPr>
-          <p:cNvPr id="2" name="Skaidrės vaizdo vietos rezervavimo ženklas 1"/>
-          <p:cNvSpPr>
-            <a:spLocks noGrp="1" noRot="1" noChangeAspect="1"/>
-          </p:cNvSpPr>
-          <p:nvPr>
-            <p:ph type="sldImg"/>
-          </p:nvPr>
-        </p:nvSpPr>
-        <p:spPr/>
-      </p:sp>
-      <p:sp>
-        <p:nvSpPr>
-          <p:cNvPr id="3" name="Pastabų vietos rezervavimo ženklas 2"/>
-          <p:cNvSpPr>
-            <a:spLocks noGrp="1"/>
-          </p:cNvSpPr>
-          <p:nvPr>
-            <p:ph type="body" idx="1"/>
-          </p:nvPr>
-        </p:nvSpPr>
-        <p:spPr/>
-        <p:txBody>
-          <a:bodyPr/>
-          <a:lstStyle/>
-          <a:p>
-            <a:endParaRPr lang="lt-LT" dirty="0"/>
-          </a:p>
-        </p:txBody>
-      </p:sp>
-      <p:sp>
-        <p:nvSpPr>
-          <p:cNvPr id="4" name="Skaidrės numerio vietos rezervavimo ženklas 3"/>
-          <p:cNvSpPr>
-            <a:spLocks noGrp="1"/>
-          </p:cNvSpPr>
-          <p:nvPr>
-            <p:ph type="sldNum" sz="quarter" idx="10"/>
-          </p:nvPr>
-        </p:nvSpPr>
-        <p:spPr/>
-        <p:txBody>
-          <a:bodyPr/>
-          <a:lstStyle/>
-          <a:p>
-            <a:fld id="{F5A93429-AF35-4FD3-A240-E9874732C65F}" type="slidenum">
-              <a:rPr lang="lt-LT" smtClean="0"/>
-              <a:t>23</a:t>
-            </a:fld>
-            <a:endParaRPr lang="lt-LT"/>
-          </a:p>
-        </p:txBody>
-      </p:sp>
-    </p:spTree>
-    <p:extLst>
-      <p:ext uri="{BB962C8B-B14F-4D97-AF65-F5344CB8AC3E}">
-        <p14:creationId xmlns:p14="http://schemas.microsoft.com/office/powerpoint/2010/main" val="618443725"/>
-      </p:ext>
-    </p:extLst>
-  </p:cSld>
-  <p:clrMapOvr>
-    <a:masterClrMapping/>
-  </p:clrMapOvr>
-</p:notes>
-</file>
-
-<file path=ppt/notesSlides/notesSlide24.xml><?xml version="1.0" encoding="utf-8"?>
-<p:notes xmlns:a="http://schemas.openxmlformats.org/drawingml/2006/main" xmlns:r="http://schemas.openxmlformats.org/officeDocument/2006/relationships" xmlns:p="http://schemas.openxmlformats.org/presentationml/2006/main">
-  <p:cSld>
-    <p:spTree>
-      <p:nvGrpSpPr>
-        <p:cNvPr id="1" name=""/>
-        <p:cNvGrpSpPr/>
-        <p:nvPr/>
-      </p:nvGrpSpPr>
-      <p:grpSpPr>
-        <a:xfrm>
-          <a:off x="0" y="0"/>
-          <a:ext cx="0" cy="0"/>
-          <a:chOff x="0" y="0"/>
-          <a:chExt cx="0" cy="0"/>
-        </a:xfrm>
-      </p:grpSpPr>
-      <p:sp>
-        <p:nvSpPr>
-          <p:cNvPr id="2" name="Skaidrės vaizdo vietos rezervavimo ženklas 1"/>
-          <p:cNvSpPr>
-            <a:spLocks noGrp="1" noRot="1" noChangeAspect="1"/>
-          </p:cNvSpPr>
-          <p:nvPr>
-            <p:ph type="sldImg"/>
-          </p:nvPr>
-        </p:nvSpPr>
-        <p:spPr/>
-      </p:sp>
-      <p:sp>
-        <p:nvSpPr>
-          <p:cNvPr id="3" name="Pastabų vietos rezervavimo ženklas 2"/>
-          <p:cNvSpPr>
-            <a:spLocks noGrp="1"/>
-          </p:cNvSpPr>
-          <p:nvPr>
-            <p:ph type="body" idx="1"/>
-          </p:nvPr>
-        </p:nvSpPr>
-        <p:spPr/>
-        <p:txBody>
-          <a:bodyPr/>
-          <a:lstStyle/>
-          <a:p>
-            <a:r>
-              <a:rPr lang="en-US" dirty="0" smtClean="0"/>
-              <a:t>As you can see above Delete action method returns void. It will send 204 "No Content" status code as a response when you send HTTP DELETE request as shown below.</a:t>
-            </a:r>
-            <a:endParaRPr lang="lt-LT" dirty="0" smtClean="0"/>
-          </a:p>
-          <a:p>
-            <a:endParaRPr lang="lt-LT" dirty="0"/>
-          </a:p>
-        </p:txBody>
-      </p:sp>
-      <p:sp>
-        <p:nvSpPr>
-          <p:cNvPr id="4" name="Skaidrės numerio vietos rezervavimo ženklas 3"/>
-          <p:cNvSpPr>
-            <a:spLocks noGrp="1"/>
-          </p:cNvSpPr>
-          <p:nvPr>
-            <p:ph type="sldNum" sz="quarter" idx="10"/>
-          </p:nvPr>
-        </p:nvSpPr>
-        <p:spPr/>
-        <p:txBody>
-          <a:bodyPr/>
-          <a:lstStyle/>
-          <a:p>
-            <a:fld id="{F5A93429-AF35-4FD3-A240-E9874732C65F}" type="slidenum">
-              <a:rPr lang="lt-LT" smtClean="0"/>
-              <a:t>24</a:t>
-            </a:fld>
-            <a:endParaRPr lang="lt-LT"/>
-          </a:p>
-        </p:txBody>
-      </p:sp>
-    </p:spTree>
-    <p:extLst>
-      <p:ext uri="{BB962C8B-B14F-4D97-AF65-F5344CB8AC3E}">
-        <p14:creationId xmlns:p14="http://schemas.microsoft.com/office/powerpoint/2010/main" val="3595148081"/>
-      </p:ext>
-    </p:extLst>
-  </p:cSld>
-  <p:clrMapOvr>
-    <a:masterClrMapping/>
-  </p:clrMapOvr>
-</p:notes>
-</file>
-
-<file path=ppt/notesSlides/notesSlide25.xml><?xml version="1.0" encoding="utf-8"?>
-<p:notes xmlns:a="http://schemas.openxmlformats.org/drawingml/2006/main" xmlns:r="http://schemas.openxmlformats.org/officeDocument/2006/relationships" xmlns:p="http://schemas.openxmlformats.org/presentationml/2006/main">
-  <p:cSld>
-    <p:spTree>
-      <p:nvGrpSpPr>
-        <p:cNvPr id="1" name=""/>
-        <p:cNvGrpSpPr/>
-        <p:nvPr/>
-      </p:nvGrpSpPr>
-      <p:grpSpPr>
-        <a:xfrm>
-          <a:off x="0" y="0"/>
-          <a:ext cx="0" cy="0"/>
-          <a:chOff x="0" y="0"/>
-          <a:chExt cx="0" cy="0"/>
-        </a:xfrm>
-      </p:grpSpPr>
-      <p:sp>
-        <p:nvSpPr>
-          <p:cNvPr id="2" name="Skaidrės vaizdo vietos rezervavimo ženklas 1"/>
-          <p:cNvSpPr>
-            <a:spLocks noGrp="1" noRot="1" noChangeAspect="1"/>
-          </p:cNvSpPr>
-          <p:nvPr>
-            <p:ph type="sldImg"/>
-          </p:nvPr>
-        </p:nvSpPr>
-        <p:spPr/>
-      </p:sp>
-      <p:sp>
-        <p:nvSpPr>
-          <p:cNvPr id="3" name="Pastabų vietos rezervavimo ženklas 2"/>
-          <p:cNvSpPr>
-            <a:spLocks noGrp="1"/>
-          </p:cNvSpPr>
-          <p:nvPr>
-            <p:ph type="body" idx="1"/>
-          </p:nvPr>
-        </p:nvSpPr>
-        <p:spPr/>
-        <p:txBody>
-          <a:bodyPr/>
-          <a:lstStyle/>
-          <a:p>
-            <a:r>
-              <a:rPr lang="lt-LT" sz="1200" kern="1200" dirty="0" smtClean="0">
-                <a:solidFill>
-                  <a:schemeClr val="tx1"/>
-                </a:solidFill>
-                <a:latin typeface="+mn-lt"/>
-                <a:ea typeface="+mn-ea"/>
-                <a:cs typeface="+mn-cs"/>
-              </a:rPr>
-              <a:t>// GET </a:t>
-            </a:r>
-            <a:r>
-              <a:rPr lang="lt-LT" sz="1200" kern="1200" dirty="0" err="1" smtClean="0">
-                <a:solidFill>
-                  <a:schemeClr val="tx1"/>
-                </a:solidFill>
-                <a:latin typeface="+mn-lt"/>
-                <a:ea typeface="+mn-ea"/>
-                <a:cs typeface="+mn-cs"/>
-              </a:rPr>
-              <a:t>api</a:t>
-            </a:r>
-            <a:r>
-              <a:rPr lang="lt-LT" sz="1200" kern="1200" dirty="0" smtClean="0">
-                <a:solidFill>
-                  <a:schemeClr val="tx1"/>
-                </a:solidFill>
-                <a:latin typeface="+mn-lt"/>
-                <a:ea typeface="+mn-ea"/>
-                <a:cs typeface="+mn-cs"/>
-              </a:rPr>
-              <a:t>/</a:t>
-            </a:r>
-            <a:r>
-              <a:rPr lang="lt-LT" sz="1200" kern="1200" dirty="0" err="1" smtClean="0">
-                <a:solidFill>
-                  <a:schemeClr val="tx1"/>
-                </a:solidFill>
-                <a:latin typeface="+mn-lt"/>
-                <a:ea typeface="+mn-ea"/>
-                <a:cs typeface="+mn-cs"/>
-              </a:rPr>
-              <a:t>values</a:t>
-            </a:r>
-            <a:endParaRPr lang="lt-LT" sz="1200" kern="1200" dirty="0" smtClean="0">
-              <a:solidFill>
-                <a:schemeClr val="tx1"/>
-              </a:solidFill>
-              <a:latin typeface="+mn-lt"/>
-              <a:ea typeface="+mn-ea"/>
-              <a:cs typeface="+mn-cs"/>
-            </a:endParaRPr>
-          </a:p>
-          <a:p>
-            <a:r>
-              <a:rPr lang="lt-LT" sz="1200" kern="1200" dirty="0" smtClean="0">
-                <a:solidFill>
-                  <a:schemeClr val="tx1"/>
-                </a:solidFill>
-                <a:latin typeface="+mn-lt"/>
-                <a:ea typeface="+mn-ea"/>
-                <a:cs typeface="+mn-cs"/>
-              </a:rPr>
-              <a:t>        </a:t>
-            </a:r>
-            <a:r>
-              <a:rPr lang="lt-LT" sz="1200" kern="1200" dirty="0" err="1" smtClean="0">
-                <a:solidFill>
-                  <a:schemeClr val="tx1"/>
-                </a:solidFill>
-                <a:latin typeface="+mn-lt"/>
-                <a:ea typeface="+mn-ea"/>
-                <a:cs typeface="+mn-cs"/>
-              </a:rPr>
-              <a:t>public</a:t>
-            </a:r>
-            <a:r>
-              <a:rPr lang="lt-LT" sz="1200" kern="1200" dirty="0" smtClean="0">
-                <a:solidFill>
-                  <a:schemeClr val="tx1"/>
-                </a:solidFill>
-                <a:latin typeface="+mn-lt"/>
-                <a:ea typeface="+mn-ea"/>
-                <a:cs typeface="+mn-cs"/>
-              </a:rPr>
-              <a:t> </a:t>
-            </a:r>
-            <a:r>
-              <a:rPr lang="lt-LT" sz="1200" kern="1200" dirty="0" err="1" smtClean="0">
-                <a:solidFill>
-                  <a:schemeClr val="tx1"/>
-                </a:solidFill>
-                <a:latin typeface="+mn-lt"/>
-                <a:ea typeface="+mn-ea"/>
-                <a:cs typeface="+mn-cs"/>
-              </a:rPr>
-              <a:t>string</a:t>
-            </a:r>
-            <a:r>
-              <a:rPr lang="lt-LT" sz="1200" kern="1200" dirty="0" smtClean="0">
-                <a:solidFill>
-                  <a:schemeClr val="tx1"/>
-                </a:solidFill>
-                <a:latin typeface="+mn-lt"/>
-                <a:ea typeface="+mn-ea"/>
-                <a:cs typeface="+mn-cs"/>
-              </a:rPr>
-              <a:t> </a:t>
-            </a:r>
-            <a:r>
-              <a:rPr lang="lt-LT" sz="1200" kern="1200" dirty="0" err="1" smtClean="0">
-                <a:solidFill>
-                  <a:schemeClr val="tx1"/>
-                </a:solidFill>
-                <a:latin typeface="+mn-lt"/>
-                <a:ea typeface="+mn-ea"/>
-                <a:cs typeface="+mn-cs"/>
-              </a:rPr>
-              <a:t>GetId</a:t>
-            </a:r>
-            <a:r>
-              <a:rPr lang="lt-LT" sz="1200" kern="1200" dirty="0" smtClean="0">
-                <a:solidFill>
-                  <a:schemeClr val="tx1"/>
-                </a:solidFill>
-                <a:latin typeface="+mn-lt"/>
-                <a:ea typeface="+mn-ea"/>
-                <a:cs typeface="+mn-cs"/>
-              </a:rPr>
-              <a:t>( </a:t>
-            </a:r>
-            <a:r>
-              <a:rPr lang="lt-LT" sz="1200" kern="1200" dirty="0" err="1" smtClean="0">
-                <a:solidFill>
-                  <a:schemeClr val="tx1"/>
-                </a:solidFill>
-                <a:latin typeface="+mn-lt"/>
-                <a:ea typeface="+mn-ea"/>
-                <a:cs typeface="+mn-cs"/>
-              </a:rPr>
-              <a:t>int</a:t>
-            </a:r>
-            <a:r>
-              <a:rPr lang="lt-LT" sz="1200" kern="1200" dirty="0" smtClean="0">
-                <a:solidFill>
-                  <a:schemeClr val="tx1"/>
-                </a:solidFill>
-                <a:latin typeface="+mn-lt"/>
-                <a:ea typeface="+mn-ea"/>
-                <a:cs typeface="+mn-cs"/>
-              </a:rPr>
-              <a:t> </a:t>
-            </a:r>
-            <a:r>
-              <a:rPr lang="lt-LT" sz="1200" kern="1200" dirty="0" err="1" smtClean="0">
-                <a:solidFill>
-                  <a:schemeClr val="tx1"/>
-                </a:solidFill>
-                <a:latin typeface="+mn-lt"/>
-                <a:ea typeface="+mn-ea"/>
-                <a:cs typeface="+mn-cs"/>
-              </a:rPr>
-              <a:t>Id</a:t>
-            </a:r>
-            <a:r>
-              <a:rPr lang="lt-LT" sz="1200" kern="1200" dirty="0" smtClean="0">
-                <a:solidFill>
-                  <a:schemeClr val="tx1"/>
-                </a:solidFill>
-                <a:latin typeface="+mn-lt"/>
-                <a:ea typeface="+mn-ea"/>
-                <a:cs typeface="+mn-cs"/>
-              </a:rPr>
-              <a:t>)</a:t>
-            </a:r>
-          </a:p>
-          <a:p>
-            <a:r>
-              <a:rPr lang="lt-LT" sz="1200" kern="1200" dirty="0" smtClean="0">
-                <a:solidFill>
-                  <a:schemeClr val="tx1"/>
-                </a:solidFill>
-                <a:latin typeface="+mn-lt"/>
-                <a:ea typeface="+mn-ea"/>
-                <a:cs typeface="+mn-cs"/>
-              </a:rPr>
-              <a:t>        {</a:t>
-            </a:r>
-          </a:p>
-          <a:p>
-            <a:r>
-              <a:rPr lang="lt-LT" sz="1200" kern="1200" dirty="0" smtClean="0">
-                <a:solidFill>
-                  <a:schemeClr val="tx1"/>
-                </a:solidFill>
-                <a:latin typeface="+mn-lt"/>
-                <a:ea typeface="+mn-ea"/>
-                <a:cs typeface="+mn-cs"/>
-              </a:rPr>
-              <a:t>            </a:t>
-            </a:r>
-            <a:r>
-              <a:rPr lang="lt-LT" sz="1200" kern="1200" dirty="0" err="1" smtClean="0">
-                <a:solidFill>
-                  <a:schemeClr val="tx1"/>
-                </a:solidFill>
-                <a:latin typeface="+mn-lt"/>
-                <a:ea typeface="+mn-ea"/>
-                <a:cs typeface="+mn-cs"/>
-              </a:rPr>
-              <a:t>return</a:t>
-            </a:r>
-            <a:r>
-              <a:rPr lang="lt-LT" sz="1200" kern="1200" dirty="0" smtClean="0">
-                <a:solidFill>
-                  <a:schemeClr val="tx1"/>
-                </a:solidFill>
-                <a:latin typeface="+mn-lt"/>
-                <a:ea typeface="+mn-ea"/>
-                <a:cs typeface="+mn-cs"/>
-              </a:rPr>
-              <a:t> "Kęstas";</a:t>
-            </a:r>
-          </a:p>
-          <a:p>
-            <a:r>
-              <a:rPr lang="en-US" sz="1200" kern="1200" dirty="0" smtClean="0">
-                <a:solidFill>
-                  <a:schemeClr val="tx1"/>
-                </a:solidFill>
-                <a:latin typeface="+mn-lt"/>
-                <a:ea typeface="+mn-ea"/>
-                <a:cs typeface="+mn-cs"/>
-              </a:rPr>
-              <a:t>            //return new string[] { "value1", "value2" };</a:t>
-            </a:r>
-          </a:p>
-          <a:p>
-            <a:r>
-              <a:rPr lang="lt-LT" sz="1200" kern="1200" dirty="0" smtClean="0">
-                <a:solidFill>
-                  <a:schemeClr val="tx1"/>
-                </a:solidFill>
-                <a:latin typeface="+mn-lt"/>
-                <a:ea typeface="+mn-ea"/>
-                <a:cs typeface="+mn-cs"/>
-              </a:rPr>
-              <a:t>        }</a:t>
-            </a:r>
-          </a:p>
-          <a:p>
-            <a:endParaRPr lang="lt-LT" sz="1200" kern="1200" dirty="0" smtClean="0">
-              <a:solidFill>
-                <a:schemeClr val="tx1"/>
-              </a:solidFill>
-              <a:latin typeface="+mn-lt"/>
-              <a:ea typeface="+mn-ea"/>
-              <a:cs typeface="+mn-cs"/>
-            </a:endParaRPr>
-          </a:p>
-          <a:p>
-            <a:r>
-              <a:rPr lang="lt-LT" sz="1200" kern="1200" dirty="0" smtClean="0">
-                <a:solidFill>
-                  <a:schemeClr val="tx1"/>
-                </a:solidFill>
-                <a:latin typeface="+mn-lt"/>
-                <a:ea typeface="+mn-ea"/>
-                <a:cs typeface="+mn-cs"/>
-              </a:rPr>
-              <a:t>        </a:t>
-            </a:r>
-            <a:r>
-              <a:rPr lang="lt-LT" sz="1200" kern="1200" dirty="0" err="1" smtClean="0">
-                <a:solidFill>
-                  <a:schemeClr val="tx1"/>
-                </a:solidFill>
-                <a:latin typeface="+mn-lt"/>
-                <a:ea typeface="+mn-ea"/>
-                <a:cs typeface="+mn-cs"/>
-              </a:rPr>
-              <a:t>public</a:t>
-            </a:r>
-            <a:r>
-              <a:rPr lang="lt-LT" sz="1200" kern="1200" dirty="0" smtClean="0">
-                <a:solidFill>
-                  <a:schemeClr val="tx1"/>
-                </a:solidFill>
-                <a:latin typeface="+mn-lt"/>
-                <a:ea typeface="+mn-ea"/>
-                <a:cs typeface="+mn-cs"/>
-              </a:rPr>
-              <a:t> </a:t>
-            </a:r>
-            <a:r>
-              <a:rPr lang="lt-LT" sz="1200" kern="1200" dirty="0" err="1" smtClean="0">
-                <a:solidFill>
-                  <a:schemeClr val="tx1"/>
-                </a:solidFill>
-                <a:latin typeface="+mn-lt"/>
-                <a:ea typeface="+mn-ea"/>
-                <a:cs typeface="+mn-cs"/>
-              </a:rPr>
-              <a:t>Types.Student</a:t>
-            </a:r>
-            <a:r>
-              <a:rPr lang="lt-LT" sz="1200" kern="1200" dirty="0" smtClean="0">
-                <a:solidFill>
-                  <a:schemeClr val="tx1"/>
-                </a:solidFill>
-                <a:latin typeface="+mn-lt"/>
-                <a:ea typeface="+mn-ea"/>
-                <a:cs typeface="+mn-cs"/>
-              </a:rPr>
-              <a:t> </a:t>
-            </a:r>
-            <a:r>
-              <a:rPr lang="lt-LT" sz="1200" kern="1200" dirty="0" err="1" smtClean="0">
-                <a:solidFill>
-                  <a:schemeClr val="tx1"/>
-                </a:solidFill>
-                <a:latin typeface="+mn-lt"/>
-                <a:ea typeface="+mn-ea"/>
-                <a:cs typeface="+mn-cs"/>
-              </a:rPr>
-              <a:t>GetStudent</a:t>
-            </a:r>
-            <a:r>
-              <a:rPr lang="lt-LT" sz="1200" kern="1200" dirty="0" smtClean="0">
-                <a:solidFill>
-                  <a:schemeClr val="tx1"/>
-                </a:solidFill>
-                <a:latin typeface="+mn-lt"/>
-                <a:ea typeface="+mn-ea"/>
-                <a:cs typeface="+mn-cs"/>
-              </a:rPr>
-              <a:t>( </a:t>
-            </a:r>
-            <a:r>
-              <a:rPr lang="lt-LT" sz="1200" kern="1200" dirty="0" err="1" smtClean="0">
-                <a:solidFill>
-                  <a:schemeClr val="tx1"/>
-                </a:solidFill>
-                <a:latin typeface="+mn-lt"/>
-                <a:ea typeface="+mn-ea"/>
-                <a:cs typeface="+mn-cs"/>
-              </a:rPr>
-              <a:t>string</a:t>
-            </a:r>
-            <a:r>
-              <a:rPr lang="lt-LT" sz="1200" kern="1200" dirty="0" smtClean="0">
-                <a:solidFill>
-                  <a:schemeClr val="tx1"/>
-                </a:solidFill>
-                <a:latin typeface="+mn-lt"/>
-                <a:ea typeface="+mn-ea"/>
-                <a:cs typeface="+mn-cs"/>
-              </a:rPr>
-              <a:t> name)</a:t>
-            </a:r>
-          </a:p>
-          <a:p>
-            <a:r>
-              <a:rPr lang="lt-LT" sz="1200" kern="1200" dirty="0" smtClean="0">
-                <a:solidFill>
-                  <a:schemeClr val="tx1"/>
-                </a:solidFill>
-                <a:latin typeface="+mn-lt"/>
-                <a:ea typeface="+mn-ea"/>
-                <a:cs typeface="+mn-cs"/>
-              </a:rPr>
-              <a:t>        {</a:t>
-            </a:r>
-          </a:p>
-          <a:p>
-            <a:r>
-              <a:rPr lang="en-US" sz="1200" kern="1200" dirty="0" smtClean="0">
-                <a:solidFill>
-                  <a:schemeClr val="tx1"/>
-                </a:solidFill>
-                <a:latin typeface="+mn-lt"/>
-                <a:ea typeface="+mn-ea"/>
-                <a:cs typeface="+mn-cs"/>
-              </a:rPr>
-              <a:t>            return new </a:t>
-            </a:r>
-            <a:r>
-              <a:rPr lang="en-US" sz="1200" kern="1200" dirty="0" err="1" smtClean="0">
-                <a:solidFill>
-                  <a:schemeClr val="tx1"/>
-                </a:solidFill>
-                <a:latin typeface="+mn-lt"/>
-                <a:ea typeface="+mn-ea"/>
-                <a:cs typeface="+mn-cs"/>
-              </a:rPr>
-              <a:t>Types.Student</a:t>
-            </a:r>
-            <a:r>
-              <a:rPr lang="en-US" sz="1200" kern="1200" dirty="0" smtClean="0">
-                <a:solidFill>
-                  <a:schemeClr val="tx1"/>
-                </a:solidFill>
-                <a:latin typeface="+mn-lt"/>
-                <a:ea typeface="+mn-ea"/>
-                <a:cs typeface="+mn-cs"/>
-              </a:rPr>
-              <a:t> {Id = 2, </a:t>
-            </a:r>
-            <a:r>
-              <a:rPr lang="en-US" sz="1200" kern="1200" dirty="0" err="1" smtClean="0">
-                <a:solidFill>
-                  <a:schemeClr val="tx1"/>
-                </a:solidFill>
-                <a:latin typeface="+mn-lt"/>
-                <a:ea typeface="+mn-ea"/>
-                <a:cs typeface="+mn-cs"/>
-              </a:rPr>
-              <a:t>Vardas</a:t>
-            </a:r>
-            <a:r>
-              <a:rPr lang="en-US" sz="1200" kern="1200" dirty="0" smtClean="0">
-                <a:solidFill>
-                  <a:schemeClr val="tx1"/>
-                </a:solidFill>
-                <a:latin typeface="+mn-lt"/>
-                <a:ea typeface="+mn-ea"/>
-                <a:cs typeface="+mn-cs"/>
-              </a:rPr>
-              <a:t> = "KMA" };</a:t>
-            </a:r>
-          </a:p>
-          <a:p>
-            <a:r>
-              <a:rPr lang="en-US" sz="1200" kern="1200" dirty="0" smtClean="0">
-                <a:solidFill>
-                  <a:schemeClr val="tx1"/>
-                </a:solidFill>
-                <a:latin typeface="+mn-lt"/>
-                <a:ea typeface="+mn-ea"/>
-                <a:cs typeface="+mn-cs"/>
-              </a:rPr>
-              <a:t>            //return new string[] { "value1", "value2" };</a:t>
-            </a:r>
-          </a:p>
-          <a:p>
-            <a:r>
-              <a:rPr lang="lt-LT" sz="1200" kern="1200" dirty="0" smtClean="0">
-                <a:solidFill>
-                  <a:schemeClr val="tx1"/>
-                </a:solidFill>
-                <a:latin typeface="+mn-lt"/>
-                <a:ea typeface="+mn-ea"/>
-                <a:cs typeface="+mn-cs"/>
-              </a:rPr>
-              <a:t>        }</a:t>
-            </a:r>
-            <a:endParaRPr lang="lt-LT" dirty="0"/>
-          </a:p>
-        </p:txBody>
-      </p:sp>
-      <p:sp>
-        <p:nvSpPr>
-          <p:cNvPr id="4" name="Skaidrės numerio vietos rezervavimo ženklas 3"/>
-          <p:cNvSpPr>
-            <a:spLocks noGrp="1"/>
-          </p:cNvSpPr>
-          <p:nvPr>
-            <p:ph type="sldNum" sz="quarter" idx="10"/>
-          </p:nvPr>
-        </p:nvSpPr>
-        <p:spPr/>
-        <p:txBody>
-          <a:bodyPr/>
-          <a:lstStyle/>
-          <a:p>
-            <a:fld id="{F5A93429-AF35-4FD3-A240-E9874732C65F}" type="slidenum">
-              <a:rPr lang="lt-LT" smtClean="0"/>
-              <a:t>25</a:t>
-            </a:fld>
-            <a:endParaRPr lang="lt-LT"/>
-          </a:p>
-        </p:txBody>
-      </p:sp>
-    </p:spTree>
-    <p:extLst>
-      <p:ext uri="{BB962C8B-B14F-4D97-AF65-F5344CB8AC3E}">
-        <p14:creationId xmlns:p14="http://schemas.microsoft.com/office/powerpoint/2010/main" val="4208227581"/>
-      </p:ext>
-    </p:extLst>
-  </p:cSld>
-  <p:clrMapOvr>
-    <a:masterClrMapping/>
-  </p:clrMapOvr>
-</p:notes>
-</file>
-
-<file path=ppt/notesSlides/notesSlide26.xml><?xml version="1.0" encoding="utf-8"?>
-<p:notes xmlns:a="http://schemas.openxmlformats.org/drawingml/2006/main" xmlns:r="http://schemas.openxmlformats.org/officeDocument/2006/relationships" xmlns:p="http://schemas.openxmlformats.org/presentationml/2006/main">
-  <p:cSld>
-    <p:spTree>
-      <p:nvGrpSpPr>
-        <p:cNvPr id="1" name=""/>
-        <p:cNvGrpSpPr/>
-        <p:nvPr/>
-      </p:nvGrpSpPr>
-      <p:grpSpPr>
-        <a:xfrm>
-          <a:off x="0" y="0"/>
-          <a:ext cx="0" cy="0"/>
-          <a:chOff x="0" y="0"/>
-          <a:chExt cx="0" cy="0"/>
-        </a:xfrm>
-      </p:grpSpPr>
-      <p:sp>
-        <p:nvSpPr>
-          <p:cNvPr id="2" name="Skaidrės vaizdo vietos rezervavimo ženklas 1"/>
-          <p:cNvSpPr>
-            <a:spLocks noGrp="1" noRot="1" noChangeAspect="1"/>
-          </p:cNvSpPr>
-          <p:nvPr>
-            <p:ph type="sldImg"/>
-          </p:nvPr>
-        </p:nvSpPr>
-        <p:spPr/>
-      </p:sp>
-      <p:sp>
-        <p:nvSpPr>
-          <p:cNvPr id="3" name="Pastabų vietos rezervavimo ženklas 2"/>
-          <p:cNvSpPr>
-            <a:spLocks noGrp="1"/>
-          </p:cNvSpPr>
-          <p:nvPr>
-            <p:ph type="body" idx="1"/>
-          </p:nvPr>
-        </p:nvSpPr>
-        <p:spPr/>
-        <p:txBody>
-          <a:bodyPr/>
-          <a:lstStyle/>
-          <a:p>
-            <a:r>
-              <a:rPr lang="en-US" dirty="0" smtClean="0"/>
-              <a:t>In the above action method, if there is no student with specified id in the DB then it will return HTTP 404 Not Found status code, otherwise it will return 200 OK status with student data. </a:t>
-            </a:r>
-            <a:endParaRPr lang="lt-LT" dirty="0" smtClean="0"/>
-          </a:p>
-          <a:p>
-            <a:endParaRPr lang="lt-LT" dirty="0" smtClean="0"/>
-          </a:p>
-          <a:p>
-            <a:endParaRPr lang="lt-LT" dirty="0" smtClean="0"/>
-          </a:p>
-          <a:p>
-            <a:r>
-              <a:rPr lang="lt-LT" dirty="0" err="1" smtClean="0"/>
-              <a:t>public</a:t>
-            </a:r>
-            <a:r>
-              <a:rPr lang="lt-LT" dirty="0" smtClean="0"/>
-              <a:t> </a:t>
-            </a:r>
-            <a:r>
-              <a:rPr lang="lt-LT" dirty="0" err="1" smtClean="0"/>
-              <a:t>HttpResponseMessage</a:t>
-            </a:r>
-            <a:r>
-              <a:rPr lang="lt-LT" dirty="0" smtClean="0"/>
-              <a:t> </a:t>
-            </a:r>
-            <a:r>
-              <a:rPr lang="lt-LT" dirty="0" err="1" smtClean="0"/>
-              <a:t>Get</a:t>
-            </a:r>
-            <a:r>
-              <a:rPr lang="lt-LT" dirty="0" smtClean="0"/>
-              <a:t>(</a:t>
-            </a:r>
-            <a:r>
-              <a:rPr lang="lt-LT" dirty="0" err="1" smtClean="0"/>
-              <a:t>int</a:t>
-            </a:r>
-            <a:r>
-              <a:rPr lang="lt-LT" dirty="0" smtClean="0"/>
-              <a:t> </a:t>
-            </a:r>
-            <a:r>
-              <a:rPr lang="lt-LT" dirty="0" err="1" smtClean="0"/>
-              <a:t>id</a:t>
-            </a:r>
-            <a:r>
-              <a:rPr lang="lt-LT" dirty="0" smtClean="0"/>
-              <a:t>) { </a:t>
-            </a:r>
-            <a:r>
-              <a:rPr lang="lt-LT" dirty="0" err="1" smtClean="0"/>
-              <a:t>Student</a:t>
-            </a:r>
-            <a:r>
-              <a:rPr lang="lt-LT" dirty="0" smtClean="0"/>
-              <a:t> </a:t>
-            </a:r>
-            <a:r>
-              <a:rPr lang="lt-LT" dirty="0" err="1" smtClean="0"/>
-              <a:t>stud</a:t>
-            </a:r>
-            <a:r>
-              <a:rPr lang="lt-LT" dirty="0" smtClean="0"/>
-              <a:t> = </a:t>
-            </a:r>
-            <a:r>
-              <a:rPr lang="lt-LT" dirty="0" err="1" smtClean="0"/>
-              <a:t>GetStudentFromDB</a:t>
-            </a:r>
-            <a:r>
-              <a:rPr lang="lt-LT" dirty="0" smtClean="0"/>
-              <a:t>(</a:t>
-            </a:r>
-            <a:r>
-              <a:rPr lang="lt-LT" dirty="0" err="1" smtClean="0"/>
-              <a:t>id</a:t>
-            </a:r>
-            <a:r>
-              <a:rPr lang="lt-LT" dirty="0" smtClean="0"/>
-              <a:t>); </a:t>
-            </a:r>
-            <a:r>
-              <a:rPr lang="lt-LT" dirty="0" err="1" smtClean="0"/>
-              <a:t>if</a:t>
-            </a:r>
-            <a:r>
-              <a:rPr lang="lt-LT" dirty="0" smtClean="0"/>
-              <a:t> (</a:t>
-            </a:r>
-            <a:r>
-              <a:rPr lang="lt-LT" dirty="0" err="1" smtClean="0"/>
-              <a:t>stud</a:t>
-            </a:r>
-            <a:r>
-              <a:rPr lang="lt-LT" dirty="0" smtClean="0"/>
-              <a:t> == </a:t>
-            </a:r>
-            <a:r>
-              <a:rPr lang="lt-LT" dirty="0" err="1" smtClean="0"/>
-              <a:t>null</a:t>
-            </a:r>
-            <a:r>
-              <a:rPr lang="lt-LT" dirty="0" smtClean="0"/>
-              <a:t>) { </a:t>
-            </a:r>
-            <a:r>
-              <a:rPr lang="lt-LT" dirty="0" err="1" smtClean="0"/>
-              <a:t>return</a:t>
-            </a:r>
-            <a:r>
-              <a:rPr lang="lt-LT" dirty="0" smtClean="0"/>
-              <a:t> </a:t>
-            </a:r>
-            <a:r>
-              <a:rPr lang="lt-LT" dirty="0" err="1" smtClean="0"/>
-              <a:t>Request.CreateResponse</a:t>
-            </a:r>
-            <a:r>
-              <a:rPr lang="lt-LT" dirty="0" smtClean="0"/>
-              <a:t>(</a:t>
-            </a:r>
-            <a:r>
-              <a:rPr lang="lt-LT" dirty="0" err="1" smtClean="0"/>
-              <a:t>HttpStatusCode.NotFound</a:t>
-            </a:r>
-            <a:r>
-              <a:rPr lang="lt-LT" dirty="0" smtClean="0"/>
-              <a:t>, </a:t>
-            </a:r>
-            <a:r>
-              <a:rPr lang="lt-LT" dirty="0" err="1" smtClean="0"/>
-              <a:t>id</a:t>
-            </a:r>
-            <a:r>
-              <a:rPr lang="lt-LT" dirty="0" smtClean="0"/>
-              <a:t>); } </a:t>
-            </a:r>
-            <a:r>
-              <a:rPr lang="lt-LT" dirty="0" err="1" smtClean="0"/>
-              <a:t>return</a:t>
-            </a:r>
-            <a:r>
-              <a:rPr lang="lt-LT" dirty="0" smtClean="0"/>
-              <a:t> </a:t>
-            </a:r>
-            <a:r>
-              <a:rPr lang="lt-LT" dirty="0" err="1" smtClean="0"/>
-              <a:t>Request.CreateResponse</a:t>
-            </a:r>
-            <a:r>
-              <a:rPr lang="lt-LT" dirty="0" smtClean="0"/>
-              <a:t>(</a:t>
-            </a:r>
-            <a:r>
-              <a:rPr lang="lt-LT" dirty="0" err="1" smtClean="0"/>
-              <a:t>HttpStatusCode.OK</a:t>
-            </a:r>
-            <a:r>
-              <a:rPr lang="lt-LT" dirty="0" smtClean="0"/>
-              <a:t>, </a:t>
-            </a:r>
-            <a:r>
-              <a:rPr lang="lt-LT" dirty="0" err="1" smtClean="0"/>
-              <a:t>stud</a:t>
-            </a:r>
-            <a:r>
-              <a:rPr lang="lt-LT" dirty="0" smtClean="0"/>
-              <a:t>); } </a:t>
-            </a:r>
-          </a:p>
-          <a:p>
-            <a:endParaRPr lang="lt-LT" dirty="0" smtClean="0"/>
-          </a:p>
-          <a:p>
-            <a:endParaRPr lang="lt-LT" dirty="0" smtClean="0"/>
-          </a:p>
-          <a:p>
-            <a:endParaRPr lang="lt-LT" dirty="0" smtClean="0"/>
-          </a:p>
-          <a:p>
-            <a:r>
-              <a:rPr lang="lt-LT" sz="1200" kern="1200" dirty="0" smtClean="0">
-                <a:solidFill>
-                  <a:schemeClr val="tx1"/>
-                </a:solidFill>
-                <a:latin typeface="+mn-lt"/>
-                <a:ea typeface="+mn-ea"/>
-                <a:cs typeface="+mn-cs"/>
-              </a:rPr>
-              <a:t>[</a:t>
-            </a:r>
-            <a:r>
-              <a:rPr lang="lt-LT" sz="1200" kern="1200" dirty="0" err="1" smtClean="0">
-                <a:solidFill>
-                  <a:schemeClr val="tx1"/>
-                </a:solidFill>
-                <a:latin typeface="+mn-lt"/>
-                <a:ea typeface="+mn-ea"/>
-                <a:cs typeface="+mn-cs"/>
-              </a:rPr>
-              <a:t>HttpGet</a:t>
-            </a:r>
-            <a:r>
-              <a:rPr lang="lt-LT" sz="1200" kern="1200" dirty="0" smtClean="0">
-                <a:solidFill>
-                  <a:schemeClr val="tx1"/>
-                </a:solidFill>
-                <a:latin typeface="+mn-lt"/>
-                <a:ea typeface="+mn-ea"/>
-                <a:cs typeface="+mn-cs"/>
-              </a:rPr>
-              <a:t>]</a:t>
-            </a:r>
-          </a:p>
-          <a:p>
-            <a:r>
-              <a:rPr lang="lt-LT" sz="1200" kern="1200" dirty="0" smtClean="0">
-                <a:solidFill>
-                  <a:schemeClr val="tx1"/>
-                </a:solidFill>
-                <a:latin typeface="+mn-lt"/>
-                <a:ea typeface="+mn-ea"/>
-                <a:cs typeface="+mn-cs"/>
-              </a:rPr>
-              <a:t>        </a:t>
-            </a:r>
-            <a:r>
-              <a:rPr lang="lt-LT" sz="1200" kern="1200" dirty="0" err="1" smtClean="0">
-                <a:solidFill>
-                  <a:schemeClr val="tx1"/>
-                </a:solidFill>
-                <a:latin typeface="+mn-lt"/>
-                <a:ea typeface="+mn-ea"/>
-                <a:cs typeface="+mn-cs"/>
-              </a:rPr>
-              <a:t>public</a:t>
-            </a:r>
-            <a:r>
-              <a:rPr lang="lt-LT" sz="1200" kern="1200" dirty="0" smtClean="0">
-                <a:solidFill>
-                  <a:schemeClr val="tx1"/>
-                </a:solidFill>
-                <a:latin typeface="+mn-lt"/>
-                <a:ea typeface="+mn-ea"/>
-                <a:cs typeface="+mn-cs"/>
-              </a:rPr>
-              <a:t> </a:t>
-            </a:r>
-            <a:r>
-              <a:rPr lang="lt-LT" sz="1200" kern="1200" dirty="0" err="1" smtClean="0">
-                <a:solidFill>
-                  <a:schemeClr val="tx1"/>
-                </a:solidFill>
-                <a:latin typeface="+mn-lt"/>
-                <a:ea typeface="+mn-ea"/>
-                <a:cs typeface="+mn-cs"/>
-              </a:rPr>
-              <a:t>HttpResponseMessage</a:t>
-            </a:r>
-            <a:r>
-              <a:rPr lang="lt-LT" sz="1200" kern="1200" dirty="0" smtClean="0">
-                <a:solidFill>
-                  <a:schemeClr val="tx1"/>
-                </a:solidFill>
-                <a:latin typeface="+mn-lt"/>
-                <a:ea typeface="+mn-ea"/>
-                <a:cs typeface="+mn-cs"/>
-              </a:rPr>
-              <a:t> </a:t>
-            </a:r>
-            <a:r>
-              <a:rPr lang="lt-LT" sz="1200" kern="1200" dirty="0" err="1" smtClean="0">
-                <a:solidFill>
-                  <a:schemeClr val="tx1"/>
-                </a:solidFill>
-                <a:latin typeface="+mn-lt"/>
-                <a:ea typeface="+mn-ea"/>
-                <a:cs typeface="+mn-cs"/>
-              </a:rPr>
-              <a:t>kmaApi</a:t>
-            </a:r>
-            <a:r>
-              <a:rPr lang="lt-LT" sz="1200" kern="1200" dirty="0" smtClean="0">
-                <a:solidFill>
-                  <a:schemeClr val="tx1"/>
-                </a:solidFill>
-                <a:latin typeface="+mn-lt"/>
-                <a:ea typeface="+mn-ea"/>
-                <a:cs typeface="+mn-cs"/>
-              </a:rPr>
-              <a:t>(</a:t>
-            </a:r>
-            <a:r>
-              <a:rPr lang="lt-LT" sz="1200" kern="1200" dirty="0" err="1" smtClean="0">
-                <a:solidFill>
-                  <a:schemeClr val="tx1"/>
-                </a:solidFill>
-                <a:latin typeface="+mn-lt"/>
-                <a:ea typeface="+mn-ea"/>
-                <a:cs typeface="+mn-cs"/>
-              </a:rPr>
-              <a:t>int</a:t>
-            </a:r>
-            <a:r>
-              <a:rPr lang="lt-LT" sz="1200" kern="1200" dirty="0" smtClean="0">
-                <a:solidFill>
-                  <a:schemeClr val="tx1"/>
-                </a:solidFill>
-                <a:latin typeface="+mn-lt"/>
-                <a:ea typeface="+mn-ea"/>
-                <a:cs typeface="+mn-cs"/>
-              </a:rPr>
-              <a:t> </a:t>
-            </a:r>
-            <a:r>
-              <a:rPr lang="lt-LT" sz="1200" kern="1200" dirty="0" err="1" smtClean="0">
-                <a:solidFill>
-                  <a:schemeClr val="tx1"/>
-                </a:solidFill>
-                <a:latin typeface="+mn-lt"/>
-                <a:ea typeface="+mn-ea"/>
-                <a:cs typeface="+mn-cs"/>
-              </a:rPr>
-              <a:t>id</a:t>
-            </a:r>
-            <a:r>
-              <a:rPr lang="lt-LT" sz="1200" kern="1200" dirty="0" smtClean="0">
-                <a:solidFill>
-                  <a:schemeClr val="tx1"/>
-                </a:solidFill>
-                <a:latin typeface="+mn-lt"/>
-                <a:ea typeface="+mn-ea"/>
-                <a:cs typeface="+mn-cs"/>
-              </a:rPr>
-              <a:t>) {</a:t>
-            </a:r>
-          </a:p>
-          <a:p>
-            <a:r>
-              <a:rPr lang="lt-LT" sz="1200" kern="1200" dirty="0" smtClean="0">
-                <a:solidFill>
-                  <a:schemeClr val="tx1"/>
-                </a:solidFill>
-                <a:latin typeface="+mn-lt"/>
-                <a:ea typeface="+mn-ea"/>
-                <a:cs typeface="+mn-cs"/>
-              </a:rPr>
-              <a:t>            </a:t>
-            </a:r>
-            <a:r>
-              <a:rPr lang="lt-LT" sz="1200" kern="1200" dirty="0" err="1" smtClean="0">
-                <a:solidFill>
-                  <a:schemeClr val="tx1"/>
-                </a:solidFill>
-                <a:latin typeface="+mn-lt"/>
-                <a:ea typeface="+mn-ea"/>
-                <a:cs typeface="+mn-cs"/>
-              </a:rPr>
-              <a:t>if</a:t>
-            </a:r>
-            <a:r>
-              <a:rPr lang="lt-LT" sz="1200" kern="1200" dirty="0" smtClean="0">
-                <a:solidFill>
-                  <a:schemeClr val="tx1"/>
-                </a:solidFill>
-                <a:latin typeface="+mn-lt"/>
-                <a:ea typeface="+mn-ea"/>
-                <a:cs typeface="+mn-cs"/>
-              </a:rPr>
-              <a:t> (</a:t>
-            </a:r>
-            <a:r>
-              <a:rPr lang="lt-LT" sz="1200" kern="1200" dirty="0" err="1" smtClean="0">
-                <a:solidFill>
-                  <a:schemeClr val="tx1"/>
-                </a:solidFill>
-                <a:latin typeface="+mn-lt"/>
-                <a:ea typeface="+mn-ea"/>
-                <a:cs typeface="+mn-cs"/>
-              </a:rPr>
-              <a:t>id</a:t>
-            </a:r>
-            <a:r>
-              <a:rPr lang="lt-LT" sz="1200" kern="1200" dirty="0" smtClean="0">
-                <a:solidFill>
-                  <a:schemeClr val="tx1"/>
-                </a:solidFill>
-                <a:latin typeface="+mn-lt"/>
-                <a:ea typeface="+mn-ea"/>
-                <a:cs typeface="+mn-cs"/>
-              </a:rPr>
-              <a:t> == 1)</a:t>
-            </a:r>
-          </a:p>
-          <a:p>
-            <a:r>
-              <a:rPr lang="lt-LT" sz="1200" kern="1200" dirty="0" smtClean="0">
-                <a:solidFill>
-                  <a:schemeClr val="tx1"/>
-                </a:solidFill>
-                <a:latin typeface="+mn-lt"/>
-                <a:ea typeface="+mn-ea"/>
-                <a:cs typeface="+mn-cs"/>
-              </a:rPr>
-              <a:t>            {</a:t>
-            </a:r>
-          </a:p>
-          <a:p>
-            <a:r>
-              <a:rPr lang="lt-LT" sz="1200" kern="1200" dirty="0" smtClean="0">
-                <a:solidFill>
-                  <a:schemeClr val="tx1"/>
-                </a:solidFill>
-                <a:latin typeface="+mn-lt"/>
-                <a:ea typeface="+mn-ea"/>
-                <a:cs typeface="+mn-cs"/>
-              </a:rPr>
-              <a:t>                </a:t>
-            </a:r>
-            <a:r>
-              <a:rPr lang="lt-LT" sz="1200" kern="1200" dirty="0" err="1" smtClean="0">
-                <a:solidFill>
-                  <a:schemeClr val="tx1"/>
-                </a:solidFill>
-                <a:latin typeface="+mn-lt"/>
-                <a:ea typeface="+mn-ea"/>
-                <a:cs typeface="+mn-cs"/>
-              </a:rPr>
-              <a:t>return</a:t>
-            </a:r>
-            <a:r>
-              <a:rPr lang="lt-LT" sz="1200" kern="1200" dirty="0" smtClean="0">
-                <a:solidFill>
-                  <a:schemeClr val="tx1"/>
-                </a:solidFill>
-                <a:latin typeface="+mn-lt"/>
-                <a:ea typeface="+mn-ea"/>
-                <a:cs typeface="+mn-cs"/>
-              </a:rPr>
-              <a:t> </a:t>
-            </a:r>
-            <a:r>
-              <a:rPr lang="lt-LT" sz="1200" kern="1200" dirty="0" err="1" smtClean="0">
-                <a:solidFill>
-                  <a:schemeClr val="tx1"/>
-                </a:solidFill>
-                <a:latin typeface="+mn-lt"/>
-                <a:ea typeface="+mn-ea"/>
-                <a:cs typeface="+mn-cs"/>
-              </a:rPr>
-              <a:t>Request.CreateResponse</a:t>
-            </a:r>
-            <a:r>
-              <a:rPr lang="lt-LT" sz="1200" kern="1200" dirty="0" smtClean="0">
-                <a:solidFill>
-                  <a:schemeClr val="tx1"/>
-                </a:solidFill>
-                <a:latin typeface="+mn-lt"/>
-                <a:ea typeface="+mn-ea"/>
-                <a:cs typeface="+mn-cs"/>
-              </a:rPr>
-              <a:t>(</a:t>
-            </a:r>
-            <a:r>
-              <a:rPr lang="lt-LT" sz="1200" kern="1200" dirty="0" err="1" smtClean="0">
-                <a:solidFill>
-                  <a:schemeClr val="tx1"/>
-                </a:solidFill>
-                <a:latin typeface="+mn-lt"/>
-                <a:ea typeface="+mn-ea"/>
-                <a:cs typeface="+mn-cs"/>
-              </a:rPr>
-              <a:t>HttpStatusCode.NotFound</a:t>
-            </a:r>
-            <a:r>
-              <a:rPr lang="lt-LT" sz="1200" kern="1200" dirty="0" smtClean="0">
-                <a:solidFill>
-                  <a:schemeClr val="tx1"/>
-                </a:solidFill>
-                <a:latin typeface="+mn-lt"/>
-                <a:ea typeface="+mn-ea"/>
-                <a:cs typeface="+mn-cs"/>
-              </a:rPr>
-              <a:t>, </a:t>
-            </a:r>
-            <a:r>
-              <a:rPr lang="lt-LT" sz="1200" kern="1200" dirty="0" err="1" smtClean="0">
-                <a:solidFill>
-                  <a:schemeClr val="tx1"/>
-                </a:solidFill>
-                <a:latin typeface="+mn-lt"/>
-                <a:ea typeface="+mn-ea"/>
-                <a:cs typeface="+mn-cs"/>
-              </a:rPr>
-              <a:t>id</a:t>
-            </a:r>
-            <a:r>
-              <a:rPr lang="lt-LT" sz="1200" kern="1200" dirty="0" smtClean="0">
-                <a:solidFill>
-                  <a:schemeClr val="tx1"/>
-                </a:solidFill>
-                <a:latin typeface="+mn-lt"/>
-                <a:ea typeface="+mn-ea"/>
-                <a:cs typeface="+mn-cs"/>
-              </a:rPr>
-              <a:t>);</a:t>
-            </a:r>
-          </a:p>
-          <a:p>
-            <a:r>
-              <a:rPr lang="lt-LT" sz="1200" kern="1200" dirty="0" smtClean="0">
-                <a:solidFill>
-                  <a:schemeClr val="tx1"/>
-                </a:solidFill>
-                <a:latin typeface="+mn-lt"/>
-                <a:ea typeface="+mn-ea"/>
-                <a:cs typeface="+mn-cs"/>
-              </a:rPr>
-              <a:t>            }</a:t>
-            </a:r>
-          </a:p>
-          <a:p>
-            <a:r>
-              <a:rPr lang="lt-LT" sz="1200" kern="1200" dirty="0" smtClean="0">
-                <a:solidFill>
-                  <a:schemeClr val="tx1"/>
-                </a:solidFill>
-                <a:latin typeface="+mn-lt"/>
-                <a:ea typeface="+mn-ea"/>
-                <a:cs typeface="+mn-cs"/>
-              </a:rPr>
-              <a:t>            </a:t>
-            </a:r>
-            <a:r>
-              <a:rPr lang="lt-LT" sz="1200" kern="1200" dirty="0" err="1" smtClean="0">
-                <a:solidFill>
-                  <a:schemeClr val="tx1"/>
-                </a:solidFill>
-                <a:latin typeface="+mn-lt"/>
-                <a:ea typeface="+mn-ea"/>
-                <a:cs typeface="+mn-cs"/>
-              </a:rPr>
-              <a:t>else</a:t>
-            </a:r>
-            <a:endParaRPr lang="lt-LT" sz="1200" kern="1200" dirty="0" smtClean="0">
-              <a:solidFill>
-                <a:schemeClr val="tx1"/>
-              </a:solidFill>
-              <a:latin typeface="+mn-lt"/>
-              <a:ea typeface="+mn-ea"/>
-              <a:cs typeface="+mn-cs"/>
-            </a:endParaRPr>
-          </a:p>
-          <a:p>
-            <a:r>
-              <a:rPr lang="lt-LT" sz="1200" kern="1200" dirty="0" smtClean="0">
-                <a:solidFill>
-                  <a:schemeClr val="tx1"/>
-                </a:solidFill>
-                <a:latin typeface="+mn-lt"/>
-                <a:ea typeface="+mn-ea"/>
-                <a:cs typeface="+mn-cs"/>
-              </a:rPr>
-              <a:t>            {</a:t>
-            </a:r>
-          </a:p>
-          <a:p>
-            <a:r>
-              <a:rPr lang="lt-LT" sz="1200" kern="1200" dirty="0" smtClean="0">
-                <a:solidFill>
-                  <a:schemeClr val="tx1"/>
-                </a:solidFill>
-                <a:latin typeface="+mn-lt"/>
-                <a:ea typeface="+mn-ea"/>
-                <a:cs typeface="+mn-cs"/>
-              </a:rPr>
-              <a:t>                </a:t>
-            </a:r>
-            <a:r>
-              <a:rPr lang="lt-LT" sz="1200" kern="1200" dirty="0" err="1" smtClean="0">
-                <a:solidFill>
-                  <a:schemeClr val="tx1"/>
-                </a:solidFill>
-                <a:latin typeface="+mn-lt"/>
-                <a:ea typeface="+mn-ea"/>
-                <a:cs typeface="+mn-cs"/>
-              </a:rPr>
-              <a:t>return</a:t>
-            </a:r>
-            <a:r>
-              <a:rPr lang="lt-LT" sz="1200" kern="1200" dirty="0" smtClean="0">
-                <a:solidFill>
-                  <a:schemeClr val="tx1"/>
-                </a:solidFill>
-                <a:latin typeface="+mn-lt"/>
-                <a:ea typeface="+mn-ea"/>
-                <a:cs typeface="+mn-cs"/>
-              </a:rPr>
-              <a:t> </a:t>
-            </a:r>
-            <a:r>
-              <a:rPr lang="lt-LT" sz="1200" kern="1200" dirty="0" err="1" smtClean="0">
-                <a:solidFill>
-                  <a:schemeClr val="tx1"/>
-                </a:solidFill>
-                <a:latin typeface="+mn-lt"/>
-                <a:ea typeface="+mn-ea"/>
-                <a:cs typeface="+mn-cs"/>
-              </a:rPr>
-              <a:t>Request.CreateResponse</a:t>
-            </a:r>
-            <a:r>
-              <a:rPr lang="lt-LT" sz="1200" kern="1200" dirty="0" smtClean="0">
-                <a:solidFill>
-                  <a:schemeClr val="tx1"/>
-                </a:solidFill>
-                <a:latin typeface="+mn-lt"/>
-                <a:ea typeface="+mn-ea"/>
-                <a:cs typeface="+mn-cs"/>
-              </a:rPr>
-              <a:t>(</a:t>
-            </a:r>
-            <a:r>
-              <a:rPr lang="lt-LT" sz="1200" kern="1200" dirty="0" err="1" smtClean="0">
-                <a:solidFill>
-                  <a:schemeClr val="tx1"/>
-                </a:solidFill>
-                <a:latin typeface="+mn-lt"/>
-                <a:ea typeface="+mn-ea"/>
-                <a:cs typeface="+mn-cs"/>
-              </a:rPr>
-              <a:t>HttpStatusCode.OK</a:t>
-            </a:r>
-            <a:r>
-              <a:rPr lang="lt-LT" sz="1200" kern="1200" dirty="0" smtClean="0">
-                <a:solidFill>
-                  <a:schemeClr val="tx1"/>
-                </a:solidFill>
-                <a:latin typeface="+mn-lt"/>
-                <a:ea typeface="+mn-ea"/>
-                <a:cs typeface="+mn-cs"/>
-              </a:rPr>
-              <a:t>, </a:t>
-            </a:r>
-            <a:r>
-              <a:rPr lang="lt-LT" sz="1200" kern="1200" dirty="0" err="1" smtClean="0">
-                <a:solidFill>
-                  <a:schemeClr val="tx1"/>
-                </a:solidFill>
-                <a:latin typeface="+mn-lt"/>
-                <a:ea typeface="+mn-ea"/>
-                <a:cs typeface="+mn-cs"/>
-              </a:rPr>
-              <a:t>new</a:t>
-            </a:r>
-            <a:r>
-              <a:rPr lang="lt-LT" sz="1200" kern="1200" dirty="0" smtClean="0">
-                <a:solidFill>
-                  <a:schemeClr val="tx1"/>
-                </a:solidFill>
-                <a:latin typeface="+mn-lt"/>
-                <a:ea typeface="+mn-ea"/>
-                <a:cs typeface="+mn-cs"/>
-              </a:rPr>
-              <a:t> </a:t>
-            </a:r>
-            <a:r>
-              <a:rPr lang="lt-LT" sz="1200" kern="1200" dirty="0" err="1" smtClean="0">
-                <a:solidFill>
-                  <a:schemeClr val="tx1"/>
-                </a:solidFill>
-                <a:latin typeface="+mn-lt"/>
-                <a:ea typeface="+mn-ea"/>
-                <a:cs typeface="+mn-cs"/>
-              </a:rPr>
-              <a:t>Person</a:t>
-            </a:r>
-            <a:r>
-              <a:rPr lang="lt-LT" sz="1200" kern="1200" dirty="0" smtClean="0">
-                <a:solidFill>
-                  <a:schemeClr val="tx1"/>
-                </a:solidFill>
-                <a:latin typeface="+mn-lt"/>
-                <a:ea typeface="+mn-ea"/>
-                <a:cs typeface="+mn-cs"/>
-              </a:rPr>
-              <a:t> { Vardas = "Kęstutis", Pavarde = "Matavičius"});</a:t>
-            </a:r>
-          </a:p>
-          <a:p>
-            <a:r>
-              <a:rPr lang="lt-LT" sz="1200" kern="1200" dirty="0" smtClean="0">
-                <a:solidFill>
-                  <a:schemeClr val="tx1"/>
-                </a:solidFill>
-                <a:latin typeface="+mn-lt"/>
-                <a:ea typeface="+mn-ea"/>
-                <a:cs typeface="+mn-cs"/>
-              </a:rPr>
-              <a:t>            }</a:t>
-            </a:r>
-          </a:p>
-          <a:p>
-            <a:r>
-              <a:rPr lang="lt-LT" sz="1200" kern="1200" dirty="0" smtClean="0">
-                <a:solidFill>
-                  <a:schemeClr val="tx1"/>
-                </a:solidFill>
-                <a:latin typeface="+mn-lt"/>
-                <a:ea typeface="+mn-ea"/>
-                <a:cs typeface="+mn-cs"/>
-              </a:rPr>
-              <a:t>        }</a:t>
-            </a:r>
-            <a:endParaRPr lang="lt-LT" dirty="0"/>
-          </a:p>
-        </p:txBody>
-      </p:sp>
-      <p:sp>
-        <p:nvSpPr>
-          <p:cNvPr id="4" name="Skaidrės numerio vietos rezervavimo ženklas 3"/>
-          <p:cNvSpPr>
-            <a:spLocks noGrp="1"/>
-          </p:cNvSpPr>
-          <p:nvPr>
-            <p:ph type="sldNum" sz="quarter" idx="10"/>
-          </p:nvPr>
-        </p:nvSpPr>
-        <p:spPr/>
-        <p:txBody>
-          <a:bodyPr/>
-          <a:lstStyle/>
-          <a:p>
-            <a:fld id="{F5A93429-AF35-4FD3-A240-E9874732C65F}" type="slidenum">
-              <a:rPr lang="lt-LT" smtClean="0"/>
-              <a:t>26</a:t>
-            </a:fld>
-            <a:endParaRPr lang="lt-LT"/>
-          </a:p>
-        </p:txBody>
-      </p:sp>
-    </p:spTree>
-    <p:extLst>
-      <p:ext uri="{BB962C8B-B14F-4D97-AF65-F5344CB8AC3E}">
-        <p14:creationId xmlns:p14="http://schemas.microsoft.com/office/powerpoint/2010/main" val="4004065017"/>
-      </p:ext>
-    </p:extLst>
-  </p:cSld>
-  <p:clrMapOvr>
-    <a:masterClrMapping/>
-  </p:clrMapOvr>
-</p:notes>
-</file>
-
-<file path=ppt/notesSlides/notesSlide27.xml><?xml version="1.0" encoding="utf-8"?>
-<p:notes xmlns:a="http://schemas.openxmlformats.org/drawingml/2006/main" xmlns:r="http://schemas.openxmlformats.org/officeDocument/2006/relationships" xmlns:p="http://schemas.openxmlformats.org/presentationml/2006/main">
-  <p:cSld>
-    <p:spTree>
-      <p:nvGrpSpPr>
-        <p:cNvPr id="1" name=""/>
-        <p:cNvGrpSpPr/>
-        <p:nvPr/>
-      </p:nvGrpSpPr>
-      <p:grpSpPr>
-        <a:xfrm>
-          <a:off x="0" y="0"/>
-          <a:ext cx="0" cy="0"/>
-          <a:chOff x="0" y="0"/>
-          <a:chExt cx="0" cy="0"/>
-        </a:xfrm>
-      </p:grpSpPr>
-      <p:sp>
-        <p:nvSpPr>
-          <p:cNvPr id="2" name="Skaidrės vaizdo vietos rezervavimo ženklas 1"/>
-          <p:cNvSpPr>
-            <a:spLocks noGrp="1" noRot="1" noChangeAspect="1"/>
-          </p:cNvSpPr>
-          <p:nvPr>
-            <p:ph type="sldImg"/>
-          </p:nvPr>
-        </p:nvSpPr>
-        <p:spPr/>
-      </p:sp>
-      <p:sp>
-        <p:nvSpPr>
-          <p:cNvPr id="3" name="Pastabų vietos rezervavimo ženklas 2"/>
-          <p:cNvSpPr>
-            <a:spLocks noGrp="1"/>
-          </p:cNvSpPr>
-          <p:nvPr>
-            <p:ph type="body" idx="1"/>
-          </p:nvPr>
-        </p:nvSpPr>
-        <p:spPr/>
-        <p:txBody>
-          <a:bodyPr/>
-          <a:lstStyle/>
-          <a:p>
-            <a:r>
-              <a:rPr lang="lt-LT" dirty="0" err="1" smtClean="0"/>
-              <a:t>public</a:t>
-            </a:r>
-            <a:r>
-              <a:rPr lang="lt-LT" dirty="0" smtClean="0"/>
-              <a:t> </a:t>
-            </a:r>
-            <a:r>
-              <a:rPr lang="lt-LT" dirty="0" err="1" smtClean="0"/>
-              <a:t>IHttpActionResult</a:t>
-            </a:r>
-            <a:r>
-              <a:rPr lang="lt-LT" dirty="0" smtClean="0"/>
-              <a:t> </a:t>
-            </a:r>
-            <a:r>
-              <a:rPr lang="lt-LT" dirty="0" err="1" smtClean="0"/>
-              <a:t>Get</a:t>
-            </a:r>
-            <a:r>
-              <a:rPr lang="lt-LT" dirty="0" smtClean="0"/>
-              <a:t>(</a:t>
-            </a:r>
-            <a:r>
-              <a:rPr lang="lt-LT" dirty="0" err="1" smtClean="0"/>
-              <a:t>int</a:t>
-            </a:r>
-            <a:r>
-              <a:rPr lang="lt-LT" dirty="0" smtClean="0"/>
-              <a:t> </a:t>
-            </a:r>
-            <a:r>
-              <a:rPr lang="lt-LT" dirty="0" err="1" smtClean="0"/>
-              <a:t>id</a:t>
-            </a:r>
-            <a:r>
-              <a:rPr lang="lt-LT" dirty="0" smtClean="0"/>
-              <a:t>) { </a:t>
-            </a:r>
-            <a:r>
-              <a:rPr lang="lt-LT" dirty="0" err="1" smtClean="0"/>
-              <a:t>Student</a:t>
-            </a:r>
-            <a:r>
-              <a:rPr lang="lt-LT" dirty="0" smtClean="0"/>
-              <a:t> </a:t>
-            </a:r>
-            <a:r>
-              <a:rPr lang="lt-LT" dirty="0" err="1" smtClean="0"/>
-              <a:t>stud</a:t>
-            </a:r>
-            <a:r>
-              <a:rPr lang="lt-LT" dirty="0" smtClean="0"/>
-              <a:t> = </a:t>
-            </a:r>
-            <a:r>
-              <a:rPr lang="lt-LT" dirty="0" err="1" smtClean="0"/>
-              <a:t>GetStudentFromDB</a:t>
-            </a:r>
-            <a:r>
-              <a:rPr lang="lt-LT" dirty="0" smtClean="0"/>
-              <a:t>(</a:t>
-            </a:r>
-            <a:r>
-              <a:rPr lang="lt-LT" dirty="0" err="1" smtClean="0"/>
-              <a:t>id</a:t>
-            </a:r>
-            <a:r>
-              <a:rPr lang="lt-LT" dirty="0" smtClean="0"/>
-              <a:t>); </a:t>
-            </a:r>
-            <a:r>
-              <a:rPr lang="lt-LT" dirty="0" err="1" smtClean="0"/>
-              <a:t>if</a:t>
-            </a:r>
-            <a:r>
-              <a:rPr lang="lt-LT" dirty="0" smtClean="0"/>
-              <a:t> (</a:t>
-            </a:r>
-            <a:r>
-              <a:rPr lang="lt-LT" dirty="0" err="1" smtClean="0"/>
-              <a:t>stud</a:t>
-            </a:r>
-            <a:r>
-              <a:rPr lang="lt-LT" dirty="0" smtClean="0"/>
-              <a:t> == </a:t>
-            </a:r>
-            <a:r>
-              <a:rPr lang="lt-LT" dirty="0" err="1" smtClean="0"/>
-              <a:t>null</a:t>
-            </a:r>
-            <a:r>
-              <a:rPr lang="lt-LT" dirty="0" smtClean="0"/>
-              <a:t>) { </a:t>
-            </a:r>
-            <a:r>
-              <a:rPr lang="lt-LT" dirty="0" err="1" smtClean="0"/>
-              <a:t>return</a:t>
-            </a:r>
-            <a:r>
-              <a:rPr lang="lt-LT" dirty="0" smtClean="0"/>
-              <a:t> </a:t>
-            </a:r>
-            <a:r>
-              <a:rPr lang="lt-LT" dirty="0" err="1" smtClean="0"/>
-              <a:t>NotFound</a:t>
-            </a:r>
-            <a:r>
-              <a:rPr lang="lt-LT" dirty="0" smtClean="0"/>
-              <a:t>(); } </a:t>
-            </a:r>
-            <a:r>
-              <a:rPr lang="lt-LT" dirty="0" err="1" smtClean="0"/>
-              <a:t>return</a:t>
-            </a:r>
-            <a:r>
-              <a:rPr lang="lt-LT" dirty="0" smtClean="0"/>
-              <a:t> </a:t>
-            </a:r>
-            <a:r>
-              <a:rPr lang="lt-LT" dirty="0" err="1" smtClean="0"/>
-              <a:t>Ok</a:t>
-            </a:r>
-            <a:r>
-              <a:rPr lang="lt-LT" dirty="0" smtClean="0"/>
-              <a:t>(</a:t>
-            </a:r>
-            <a:r>
-              <a:rPr lang="lt-LT" dirty="0" err="1" smtClean="0"/>
-              <a:t>stud</a:t>
-            </a:r>
-            <a:r>
-              <a:rPr lang="lt-LT" dirty="0" smtClean="0"/>
-              <a:t>); }</a:t>
-            </a:r>
-          </a:p>
-          <a:p>
-            <a:endParaRPr lang="lt-LT" dirty="0" smtClean="0"/>
-          </a:p>
-          <a:p>
-            <a:endParaRPr lang="lt-LT" dirty="0" smtClean="0"/>
-          </a:p>
-          <a:p>
-            <a:endParaRPr lang="lt-LT" dirty="0" smtClean="0"/>
-          </a:p>
-          <a:p>
-            <a:r>
-              <a:rPr lang="en-US" dirty="0" smtClean="0"/>
-              <a:t>In the above example, if student with specified id does not exists in the database then it will return response with the status code 404 otherwise it sends student data with status code 200 as a response. As you can see, we don't have to write much code because </a:t>
-            </a:r>
-            <a:r>
-              <a:rPr lang="en-US" dirty="0" err="1" smtClean="0"/>
-              <a:t>NotFound</a:t>
-            </a:r>
-            <a:r>
-              <a:rPr lang="en-US" dirty="0" smtClean="0"/>
-              <a:t>() and Ok() method does it all for us. </a:t>
-            </a:r>
-            <a:endParaRPr lang="lt-LT" dirty="0" smtClean="0"/>
-          </a:p>
-          <a:p>
-            <a:endParaRPr lang="lt-LT" dirty="0" smtClean="0"/>
-          </a:p>
-          <a:p>
-            <a:endParaRPr lang="lt-LT" dirty="0" smtClean="0"/>
-          </a:p>
-          <a:p>
-            <a:r>
-              <a:rPr lang="en-US" dirty="0" smtClean="0"/>
-              <a:t>You can create your own class that implements </a:t>
-            </a:r>
-            <a:r>
-              <a:rPr lang="en-US" dirty="0" err="1" smtClean="0"/>
-              <a:t>IHttpActionResult</a:t>
-            </a:r>
-            <a:r>
-              <a:rPr lang="en-US" dirty="0" smtClean="0"/>
-              <a:t> or use various methods of </a:t>
-            </a:r>
-            <a:r>
-              <a:rPr lang="en-US" dirty="0" err="1" smtClean="0"/>
-              <a:t>ApiController</a:t>
-            </a:r>
-            <a:r>
-              <a:rPr lang="en-US" dirty="0" smtClean="0"/>
-              <a:t> class that returns an object that implement the </a:t>
-            </a:r>
-            <a:r>
-              <a:rPr lang="en-US" dirty="0" err="1" smtClean="0"/>
-              <a:t>IHttpActionResult</a:t>
-            </a:r>
-            <a:r>
-              <a:rPr lang="en-US" dirty="0" smtClean="0"/>
-              <a:t>. </a:t>
-            </a:r>
-            <a:endParaRPr lang="lt-LT" dirty="0"/>
-          </a:p>
-        </p:txBody>
-      </p:sp>
-      <p:sp>
-        <p:nvSpPr>
-          <p:cNvPr id="4" name="Skaidrės numerio vietos rezervavimo ženklas 3"/>
-          <p:cNvSpPr>
-            <a:spLocks noGrp="1"/>
-          </p:cNvSpPr>
-          <p:nvPr>
-            <p:ph type="sldNum" sz="quarter" idx="10"/>
-          </p:nvPr>
-        </p:nvSpPr>
-        <p:spPr/>
-        <p:txBody>
-          <a:bodyPr/>
-          <a:lstStyle/>
-          <a:p>
-            <a:fld id="{F5A93429-AF35-4FD3-A240-E9874732C65F}" type="slidenum">
-              <a:rPr lang="lt-LT" smtClean="0"/>
-              <a:t>27</a:t>
-            </a:fld>
-            <a:endParaRPr lang="lt-LT"/>
-          </a:p>
-        </p:txBody>
-      </p:sp>
-    </p:spTree>
-    <p:extLst>
-      <p:ext uri="{BB962C8B-B14F-4D97-AF65-F5344CB8AC3E}">
-        <p14:creationId xmlns:p14="http://schemas.microsoft.com/office/powerpoint/2010/main" val="2342340425"/>
-      </p:ext>
-    </p:extLst>
-  </p:cSld>
-  <p:clrMapOvr>
-    <a:masterClrMapping/>
-  </p:clrMapOvr>
-</p:notes>
-</file>
-
-<file path=ppt/notesSlides/notesSlide28.xml><?xml version="1.0" encoding="utf-8"?>
-<p:notes xmlns:a="http://schemas.openxmlformats.org/drawingml/2006/main" xmlns:r="http://schemas.openxmlformats.org/officeDocument/2006/relationships" xmlns:p="http://schemas.openxmlformats.org/presentationml/2006/main">
-  <p:cSld>
-    <p:spTree>
-      <p:nvGrpSpPr>
-        <p:cNvPr id="1" name=""/>
-        <p:cNvGrpSpPr/>
-        <p:nvPr/>
-      </p:nvGrpSpPr>
-      <p:grpSpPr>
-        <a:xfrm>
-          <a:off x="0" y="0"/>
-          <a:ext cx="0" cy="0"/>
-          <a:chOff x="0" y="0"/>
-          <a:chExt cx="0" cy="0"/>
-        </a:xfrm>
-      </p:grpSpPr>
-      <p:sp>
-        <p:nvSpPr>
-          <p:cNvPr id="2" name="Skaidrės vaizdo vietos rezervavimo ženklas 1"/>
-          <p:cNvSpPr>
-            <a:spLocks noGrp="1" noRot="1" noChangeAspect="1"/>
-          </p:cNvSpPr>
-          <p:nvPr>
-            <p:ph type="sldImg"/>
-          </p:nvPr>
-        </p:nvSpPr>
-        <p:spPr/>
-      </p:sp>
-      <p:sp>
-        <p:nvSpPr>
-          <p:cNvPr id="3" name="Pastabų vietos rezervavimo ženklas 2"/>
-          <p:cNvSpPr>
-            <a:spLocks noGrp="1"/>
-          </p:cNvSpPr>
-          <p:nvPr>
-            <p:ph type="body" idx="1"/>
-          </p:nvPr>
-        </p:nvSpPr>
-        <p:spPr/>
-        <p:txBody>
-          <a:bodyPr/>
-          <a:lstStyle/>
-          <a:p>
-            <a:endParaRPr lang="lt-LT" dirty="0"/>
-          </a:p>
-        </p:txBody>
-      </p:sp>
-      <p:sp>
-        <p:nvSpPr>
-          <p:cNvPr id="4" name="Skaidrės numerio vietos rezervavimo ženklas 3"/>
-          <p:cNvSpPr>
-            <a:spLocks noGrp="1"/>
-          </p:cNvSpPr>
-          <p:nvPr>
-            <p:ph type="sldNum" sz="quarter" idx="10"/>
-          </p:nvPr>
-        </p:nvSpPr>
-        <p:spPr/>
-        <p:txBody>
-          <a:bodyPr/>
-          <a:lstStyle/>
-          <a:p>
-            <a:fld id="{F5A93429-AF35-4FD3-A240-E9874732C65F}" type="slidenum">
-              <a:rPr lang="lt-LT" smtClean="0"/>
-              <a:t>28</a:t>
-            </a:fld>
-            <a:endParaRPr lang="lt-LT"/>
-          </a:p>
-        </p:txBody>
-      </p:sp>
-    </p:spTree>
-    <p:extLst>
-      <p:ext uri="{BB962C8B-B14F-4D97-AF65-F5344CB8AC3E}">
-        <p14:creationId xmlns:p14="http://schemas.microsoft.com/office/powerpoint/2010/main" val="4043530126"/>
       </p:ext>
     </p:extLst>
   </p:cSld>
@@ -4820,7 +2650,7 @@
           <a:p>
             <a:fld id="{30579259-0C81-4A32-A708-F66BB5C8C95A}" type="datetimeFigureOut">
               <a:rPr lang="lt-LT" smtClean="0"/>
-              <a:t>2018-04-03</a:t>
+              <a:t>2018-05-02</a:t>
             </a:fld>
             <a:endParaRPr lang="lt-LT"/>
           </a:p>
@@ -5196,7 +3026,7 @@
             <a:fld id="{85EBC16C-C084-4A9D-A556-93F516CC0DED}" type="datetime1">
               <a:rPr lang="lt-LT" smtClean="0"/>
               <a:pPr/>
-              <a:t>2018-04-03</a:t>
+              <a:t>2018-05-02</a:t>
             </a:fld>
             <a:endParaRPr lang="lt-LT" dirty="0"/>
           </a:p>
@@ -5393,7 +3223,7 @@
             <a:fld id="{85EBC16C-C084-4A9D-A556-93F516CC0DED}" type="datetime1">
               <a:rPr lang="lt-LT" smtClean="0"/>
               <a:pPr/>
-              <a:t>2018-04-03</a:t>
+              <a:t>2018-05-02</a:t>
             </a:fld>
             <a:endParaRPr lang="lt-LT" dirty="0"/>
           </a:p>
@@ -5899,7 +3729,7 @@
             <a:fld id="{85EBC16C-C084-4A9D-A556-93F516CC0DED}" type="datetime1">
               <a:rPr lang="lt-LT" smtClean="0"/>
               <a:pPr/>
-              <a:t>2018-04-03</a:t>
+              <a:t>2018-05-02</a:t>
             </a:fld>
             <a:endParaRPr lang="lt-LT" dirty="0"/>
           </a:p>
@@ -6523,7 +4353,7 @@
             <a:fld id="{85EBC16C-C084-4A9D-A556-93F516CC0DED}" type="datetime1">
               <a:rPr lang="lt-LT" smtClean="0"/>
               <a:pPr/>
-              <a:t>2018-04-03</a:t>
+              <a:t>2018-05-02</a:t>
             </a:fld>
             <a:endParaRPr lang="lt-LT" dirty="0"/>
           </a:p>
@@ -6758,7 +4588,7 @@
             <a:fld id="{85EBC16C-C084-4A9D-A556-93F516CC0DED}" type="datetime1">
               <a:rPr lang="lt-LT" smtClean="0"/>
               <a:pPr/>
-              <a:t>2018-04-03</a:t>
+              <a:t>2018-05-02</a:t>
             </a:fld>
             <a:endParaRPr lang="lt-LT" dirty="0"/>
           </a:p>
@@ -6955,7 +4785,7 @@
             <a:fld id="{85EBC16C-C084-4A9D-A556-93F516CC0DED}" type="datetime1">
               <a:rPr lang="lt-LT" smtClean="0"/>
               <a:pPr/>
-              <a:t>2018-04-03</a:t>
+              <a:t>2018-05-02</a:t>
             </a:fld>
             <a:endParaRPr lang="lt-LT" dirty="0"/>
           </a:p>
@@ -8864,7 +6694,7 @@
             <a:fld id="{99E75C0A-F1A1-4D0F-83FF-E4C5074DED59}" type="datetime1">
               <a:rPr lang="lt-LT" smtClean="0"/>
               <a:pPr/>
-              <a:t>2018-04-03</a:t>
+              <a:t>2018-05-02</a:t>
             </a:fld>
             <a:endParaRPr lang="lt-LT" dirty="0"/>
           </a:p>
@@ -12693,292 +10523,6 @@
           <a:p>
             <a:pPr algn="ctr"/>
             <a:r>
-              <a:rPr lang="en-US" dirty="0"/>
-              <a:t>Post Method with Complex Type Parameter</a:t>
-            </a:r>
-            <a:endParaRPr lang="lt-LT" dirty="0"/>
-          </a:p>
-        </p:txBody>
-      </p:sp>
-      <p:sp>
-        <p:nvSpPr>
-          <p:cNvPr id="3" name="Turinio vietos rezervavimo ženklas 2"/>
-          <p:cNvSpPr>
-            <a:spLocks noGrp="1"/>
-          </p:cNvSpPr>
-          <p:nvPr>
-            <p:ph type="subTitle" idx="1"/>
-          </p:nvPr>
-        </p:nvSpPr>
-        <p:spPr>
-          <a:xfrm>
-            <a:off x="527387" y="1484784"/>
-            <a:ext cx="11055016" cy="407516"/>
-          </a:xfrm>
-        </p:spPr>
-        <p:txBody>
-          <a:bodyPr/>
-          <a:lstStyle/>
-          <a:p>
-            <a:r>
-              <a:rPr lang="en-US" dirty="0"/>
-              <a:t>Following is a valid HTTP POST request in the fiddler for the above action method. </a:t>
-            </a:r>
-            <a:endParaRPr lang="lt-LT" dirty="0" smtClean="0"/>
-          </a:p>
-        </p:txBody>
-      </p:sp>
-      <p:pic>
-        <p:nvPicPr>
-          <p:cNvPr id="4" name="Paveikslėlis 3"/>
-          <p:cNvPicPr>
-            <a:picLocks noChangeAspect="1"/>
-          </p:cNvPicPr>
-          <p:nvPr/>
-        </p:nvPicPr>
-        <p:blipFill>
-          <a:blip r:embed="rId3"/>
-          <a:stretch>
-            <a:fillRect/>
-          </a:stretch>
-        </p:blipFill>
-        <p:spPr>
-          <a:xfrm>
-            <a:off x="1576414" y="2036311"/>
-            <a:ext cx="9273772" cy="4682645"/>
-          </a:xfrm>
-          <a:prstGeom prst="rect">
-            <a:avLst/>
-          </a:prstGeom>
-        </p:spPr>
-      </p:pic>
-    </p:spTree>
-    <p:extLst>
-      <p:ext uri="{BB962C8B-B14F-4D97-AF65-F5344CB8AC3E}">
-        <p14:creationId xmlns:p14="http://schemas.microsoft.com/office/powerpoint/2010/main" val="4267220064"/>
-      </p:ext>
-    </p:extLst>
-  </p:cSld>
-  <p:clrMapOvr>
-    <a:masterClrMapping/>
-  </p:clrMapOvr>
-  <p:timing>
-    <p:tnLst>
-      <p:par>
-        <p:cTn id="1" dur="indefinite" restart="never" nodeType="tmRoot">
-          <p:childTnLst>
-            <p:seq concurrent="1" nextAc="seek">
-              <p:cTn id="2" dur="indefinite" nodeType="mainSeq">
-                <p:childTnLst>
-                  <p:par>
-                    <p:cTn id="3" fill="hold">
-                      <p:stCondLst>
-                        <p:cond delay="indefinite"/>
-                      </p:stCondLst>
-                      <p:childTnLst>
-                        <p:par>
-                          <p:cTn id="4" fill="hold">
-                            <p:stCondLst>
-                              <p:cond delay="0"/>
-                            </p:stCondLst>
-                            <p:childTnLst>
-                              <p:par>
-                                <p:cTn id="5" presetID="1" presetClass="entr" presetSubtype="0" fill="hold" grpId="0" nodeType="clickEffect">
-                                  <p:stCondLst>
-                                    <p:cond delay="0"/>
-                                  </p:stCondLst>
-                                  <p:childTnLst>
-                                    <p:set>
-                                      <p:cBhvr>
-                                        <p:cTn id="6" dur="1" fill="hold">
-                                          <p:stCondLst>
-                                            <p:cond delay="0"/>
-                                          </p:stCondLst>
-                                        </p:cTn>
-                                        <p:tgtEl>
-                                          <p:spTgt spid="3">
-                                            <p:txEl>
-                                              <p:pRg st="0" end="0"/>
-                                            </p:txEl>
-                                          </p:spTgt>
-                                        </p:tgtEl>
-                                        <p:attrNameLst>
-                                          <p:attrName>style.visibility</p:attrName>
-                                        </p:attrNameLst>
-                                      </p:cBhvr>
-                                      <p:to>
-                                        <p:strVal val="visible"/>
-                                      </p:to>
-                                    </p:set>
-                                  </p:childTnLst>
-                                </p:cTn>
-                              </p:par>
-                            </p:childTnLst>
-                          </p:cTn>
-                        </p:par>
-                      </p:childTnLst>
-                    </p:cTn>
-                  </p:par>
-                  <p:par>
-                    <p:cTn id="7" fill="hold">
-                      <p:stCondLst>
-                        <p:cond delay="indefinite"/>
-                      </p:stCondLst>
-                      <p:childTnLst>
-                        <p:par>
-                          <p:cTn id="8" fill="hold">
-                            <p:stCondLst>
-                              <p:cond delay="0"/>
-                            </p:stCondLst>
-                            <p:childTnLst>
-                              <p:par>
-                                <p:cTn id="9" presetID="2" presetClass="entr" presetSubtype="4" fill="hold" nodeType="clickEffect">
-                                  <p:stCondLst>
-                                    <p:cond delay="0"/>
-                                  </p:stCondLst>
-                                  <p:childTnLst>
-                                    <p:set>
-                                      <p:cBhvr>
-                                        <p:cTn id="10" dur="1" fill="hold">
-                                          <p:stCondLst>
-                                            <p:cond delay="0"/>
-                                          </p:stCondLst>
-                                        </p:cTn>
-                                        <p:tgtEl>
-                                          <p:spTgt spid="4"/>
-                                        </p:tgtEl>
-                                        <p:attrNameLst>
-                                          <p:attrName>style.visibility</p:attrName>
-                                        </p:attrNameLst>
-                                      </p:cBhvr>
-                                      <p:to>
-                                        <p:strVal val="visible"/>
-                                      </p:to>
-                                    </p:set>
-                                    <p:anim calcmode="lin" valueType="num">
-                                      <p:cBhvr additive="base">
-                                        <p:cTn id="11" dur="500" fill="hold"/>
-                                        <p:tgtEl>
-                                          <p:spTgt spid="4"/>
-                                        </p:tgtEl>
-                                        <p:attrNameLst>
-                                          <p:attrName>ppt_x</p:attrName>
-                                        </p:attrNameLst>
-                                      </p:cBhvr>
-                                      <p:tavLst>
-                                        <p:tav tm="0">
-                                          <p:val>
-                                            <p:strVal val="#ppt_x"/>
-                                          </p:val>
-                                        </p:tav>
-                                        <p:tav tm="100000">
-                                          <p:val>
-                                            <p:strVal val="#ppt_x"/>
-                                          </p:val>
-                                        </p:tav>
-                                      </p:tavLst>
-                                    </p:anim>
-                                    <p:anim calcmode="lin" valueType="num">
-                                      <p:cBhvr additive="base">
-                                        <p:cTn id="12" dur="500" fill="hold"/>
-                                        <p:tgtEl>
-                                          <p:spTgt spid="4"/>
-                                        </p:tgtEl>
-                                        <p:attrNameLst>
-                                          <p:attrName>ppt_y</p:attrName>
-                                        </p:attrNameLst>
-                                      </p:cBhvr>
-                                      <p:tavLst>
-                                        <p:tav tm="0">
-                                          <p:val>
-                                            <p:strVal val="1+#ppt_h/2"/>
-                                          </p:val>
-                                        </p:tav>
-                                        <p:tav tm="100000">
-                                          <p:val>
-                                            <p:strVal val="#ppt_y"/>
-                                          </p:val>
-                                        </p:tav>
-                                      </p:tavLst>
-                                    </p:anim>
-                                  </p:childTnLst>
-                                </p:cTn>
-                              </p:par>
-                            </p:childTnLst>
-                          </p:cTn>
-                        </p:par>
-                      </p:childTnLst>
-                    </p:cTn>
-                  </p:par>
-                </p:childTnLst>
-              </p:cTn>
-              <p:prevCondLst>
-                <p:cond evt="onPrev" delay="0">
-                  <p:tgtEl>
-                    <p:sldTgt/>
-                  </p:tgtEl>
-                </p:cond>
-              </p:prevCondLst>
-              <p:nextCondLst>
-                <p:cond evt="onNext" delay="0">
-                  <p:tgtEl>
-                    <p:sldTgt/>
-                  </p:tgtEl>
-                </p:cond>
-              </p:nextCondLst>
-            </p:seq>
-          </p:childTnLst>
-        </p:cTn>
-      </p:par>
-    </p:tnLst>
-    <p:bldLst>
-      <p:bldP spid="3" grpId="0" uiExpand="1" build="p"/>
-    </p:bldLst>
-  </p:timing>
-</p:sld>
-</file>
-
-<file path=ppt/slides/slide19.xml><?xml version="1.0" encoding="utf-8"?>
-<p:sld xmlns:a="http://schemas.openxmlformats.org/drawingml/2006/main" xmlns:r="http://schemas.openxmlformats.org/officeDocument/2006/relationships" xmlns:p="http://schemas.openxmlformats.org/presentationml/2006/main">
-  <p:cSld>
-    <p:spTree>
-      <p:nvGrpSpPr>
-        <p:cNvPr id="1" name=""/>
-        <p:cNvGrpSpPr/>
-        <p:nvPr/>
-      </p:nvGrpSpPr>
-      <p:grpSpPr>
-        <a:xfrm>
-          <a:off x="0" y="0"/>
-          <a:ext cx="0" cy="0"/>
-          <a:chOff x="0" y="0"/>
-          <a:chExt cx="0" cy="0"/>
-        </a:xfrm>
-      </p:grpSpPr>
-      <p:sp>
-        <p:nvSpPr>
-          <p:cNvPr id="2" name="Pavadinimas 1"/>
-          <p:cNvSpPr>
-            <a:spLocks noGrp="1"/>
-          </p:cNvSpPr>
-          <p:nvPr>
-            <p:ph type="ctrTitle"/>
-          </p:nvPr>
-        </p:nvSpPr>
-        <p:spPr>
-          <a:xfrm>
-            <a:off x="141316" y="228601"/>
-            <a:ext cx="10518370" cy="1112172"/>
-          </a:xfrm>
-        </p:spPr>
-        <p:txBody>
-          <a:bodyPr>
-            <a:normAutofit/>
-          </a:bodyPr>
-          <a:lstStyle/>
-          <a:p>
-            <a:pPr algn="ctr"/>
-            <a:r>
               <a:rPr lang="en-US" b="1" dirty="0"/>
               <a:t>POST Method with Mixed </a:t>
             </a:r>
@@ -13198,965 +10742,7 @@
 </p:sld>
 </file>
 
-<file path=ppt/slides/slide2.xml><?xml version="1.0" encoding="utf-8"?>
-<p:sld xmlns:a="http://schemas.openxmlformats.org/drawingml/2006/main" xmlns:r="http://schemas.openxmlformats.org/officeDocument/2006/relationships" xmlns:p="http://schemas.openxmlformats.org/presentationml/2006/main">
-  <p:cSld>
-    <p:spTree>
-      <p:nvGrpSpPr>
-        <p:cNvPr id="1" name=""/>
-        <p:cNvGrpSpPr/>
-        <p:nvPr/>
-      </p:nvGrpSpPr>
-      <p:grpSpPr>
-        <a:xfrm>
-          <a:off x="0" y="0"/>
-          <a:ext cx="0" cy="0"/>
-          <a:chOff x="0" y="0"/>
-          <a:chExt cx="0" cy="0"/>
-        </a:xfrm>
-      </p:grpSpPr>
-      <p:sp>
-        <p:nvSpPr>
-          <p:cNvPr id="2" name="Pavadinimas 1"/>
-          <p:cNvSpPr>
-            <a:spLocks noGrp="1"/>
-          </p:cNvSpPr>
-          <p:nvPr>
-            <p:ph type="ctrTitle"/>
-          </p:nvPr>
-        </p:nvSpPr>
-        <p:spPr>
-          <a:xfrm>
-            <a:off x="141316" y="228601"/>
-            <a:ext cx="10518370" cy="1112172"/>
-          </a:xfrm>
-        </p:spPr>
-        <p:txBody>
-          <a:bodyPr>
-            <a:normAutofit/>
-          </a:bodyPr>
-          <a:lstStyle/>
-          <a:p>
-            <a:pPr algn="ctr"/>
-            <a:r>
-              <a:rPr lang="lt-LT" b="1" dirty="0"/>
-              <a:t>ASP.NET </a:t>
-            </a:r>
-            <a:r>
-              <a:rPr lang="lt-LT" b="1" dirty="0" err="1"/>
-              <a:t>Web</a:t>
-            </a:r>
-            <a:r>
-              <a:rPr lang="lt-LT" b="1" dirty="0"/>
-              <a:t> API</a:t>
-            </a:r>
-          </a:p>
-        </p:txBody>
-      </p:sp>
-      <p:sp>
-        <p:nvSpPr>
-          <p:cNvPr id="3" name="Turinio vietos rezervavimo ženklas 2"/>
-          <p:cNvSpPr>
-            <a:spLocks noGrp="1"/>
-          </p:cNvSpPr>
-          <p:nvPr>
-            <p:ph type="subTitle" idx="1"/>
-          </p:nvPr>
-        </p:nvSpPr>
-        <p:spPr/>
-        <p:txBody>
-          <a:bodyPr/>
-          <a:lstStyle/>
-          <a:p>
-            <a:r>
-              <a:rPr lang="en-US" dirty="0"/>
-              <a:t>ASP.NET Web API is a framework for building HTTP services that can be accessed from any client including browsers and mobile </a:t>
-            </a:r>
-            <a:r>
-              <a:rPr lang="en-US" dirty="0" smtClean="0"/>
-              <a:t>devices</a:t>
-            </a:r>
-            <a:r>
-              <a:rPr lang="lt-LT" dirty="0" smtClean="0"/>
-              <a:t>.</a:t>
-            </a:r>
-            <a:endParaRPr lang="lt-LT" dirty="0" smtClean="0"/>
-          </a:p>
-        </p:txBody>
-      </p:sp>
-    </p:spTree>
-    <p:extLst>
-      <p:ext uri="{BB962C8B-B14F-4D97-AF65-F5344CB8AC3E}">
-        <p14:creationId xmlns:p14="http://schemas.microsoft.com/office/powerpoint/2010/main" val="3822548467"/>
-      </p:ext>
-    </p:extLst>
-  </p:cSld>
-  <p:clrMapOvr>
-    <a:masterClrMapping/>
-  </p:clrMapOvr>
-  <p:timing>
-    <p:tnLst>
-      <p:par>
-        <p:cTn id="1" dur="indefinite" restart="never" nodeType="tmRoot">
-          <p:childTnLst>
-            <p:seq concurrent="1" nextAc="seek">
-              <p:cTn id="2" dur="indefinite" nodeType="mainSeq">
-                <p:childTnLst>
-                  <p:par>
-                    <p:cTn id="3" fill="hold">
-                      <p:stCondLst>
-                        <p:cond delay="indefinite"/>
-                      </p:stCondLst>
-                      <p:childTnLst>
-                        <p:par>
-                          <p:cTn id="4" fill="hold">
-                            <p:stCondLst>
-                              <p:cond delay="0"/>
-                            </p:stCondLst>
-                            <p:childTnLst>
-                              <p:par>
-                                <p:cTn id="5" presetID="2" presetClass="entr" presetSubtype="4" fill="hold" grpId="0" nodeType="clickEffect">
-                                  <p:stCondLst>
-                                    <p:cond delay="0"/>
-                                  </p:stCondLst>
-                                  <p:childTnLst>
-                                    <p:set>
-                                      <p:cBhvr>
-                                        <p:cTn id="6" dur="1" fill="hold">
-                                          <p:stCondLst>
-                                            <p:cond delay="0"/>
-                                          </p:stCondLst>
-                                        </p:cTn>
-                                        <p:tgtEl>
-                                          <p:spTgt spid="3">
-                                            <p:txEl>
-                                              <p:pRg st="0" end="0"/>
-                                            </p:txEl>
-                                          </p:spTgt>
-                                        </p:tgtEl>
-                                        <p:attrNameLst>
-                                          <p:attrName>style.visibility</p:attrName>
-                                        </p:attrNameLst>
-                                      </p:cBhvr>
-                                      <p:to>
-                                        <p:strVal val="visible"/>
-                                      </p:to>
-                                    </p:set>
-                                    <p:anim calcmode="lin" valueType="num">
-                                      <p:cBhvr additive="base">
-                                        <p:cTn id="7" dur="500" fill="hold"/>
-                                        <p:tgtEl>
-                                          <p:spTgt spid="3">
-                                            <p:txEl>
-                                              <p:pRg st="0" end="0"/>
-                                            </p:txEl>
-                                          </p:spTgt>
-                                        </p:tgtEl>
-                                        <p:attrNameLst>
-                                          <p:attrName>ppt_x</p:attrName>
-                                        </p:attrNameLst>
-                                      </p:cBhvr>
-                                      <p:tavLst>
-                                        <p:tav tm="0">
-                                          <p:val>
-                                            <p:strVal val="#ppt_x"/>
-                                          </p:val>
-                                        </p:tav>
-                                        <p:tav tm="100000">
-                                          <p:val>
-                                            <p:strVal val="#ppt_x"/>
-                                          </p:val>
-                                        </p:tav>
-                                      </p:tavLst>
-                                    </p:anim>
-                                    <p:anim calcmode="lin" valueType="num">
-                                      <p:cBhvr additive="base">
-                                        <p:cTn id="8" dur="500" fill="hold"/>
-                                        <p:tgtEl>
-                                          <p:spTgt spid="3">
-                                            <p:txEl>
-                                              <p:pRg st="0" end="0"/>
-                                            </p:txEl>
-                                          </p:spTgt>
-                                        </p:tgtEl>
-                                        <p:attrNameLst>
-                                          <p:attrName>ppt_y</p:attrName>
-                                        </p:attrNameLst>
-                                      </p:cBhvr>
-                                      <p:tavLst>
-                                        <p:tav tm="0">
-                                          <p:val>
-                                            <p:strVal val="1+#ppt_h/2"/>
-                                          </p:val>
-                                        </p:tav>
-                                        <p:tav tm="100000">
-                                          <p:val>
-                                            <p:strVal val="#ppt_y"/>
-                                          </p:val>
-                                        </p:tav>
-                                      </p:tavLst>
-                                    </p:anim>
-                                  </p:childTnLst>
-                                </p:cTn>
-                              </p:par>
-                            </p:childTnLst>
-                          </p:cTn>
-                        </p:par>
-                      </p:childTnLst>
-                    </p:cTn>
-                  </p:par>
-                </p:childTnLst>
-              </p:cTn>
-              <p:prevCondLst>
-                <p:cond evt="onPrev" delay="0">
-                  <p:tgtEl>
-                    <p:sldTgt/>
-                  </p:tgtEl>
-                </p:cond>
-              </p:prevCondLst>
-              <p:nextCondLst>
-                <p:cond evt="onNext" delay="0">
-                  <p:tgtEl>
-                    <p:sldTgt/>
-                  </p:tgtEl>
-                </p:cond>
-              </p:nextCondLst>
-            </p:seq>
-          </p:childTnLst>
-        </p:cTn>
-      </p:par>
-    </p:tnLst>
-    <p:bldLst>
-      <p:bldP spid="3" grpId="0" build="p"/>
-    </p:bldLst>
-  </p:timing>
-</p:sld>
-</file>
-
-<file path=ppt/slides/slide20.xml><?xml version="1.0" encoding="utf-8"?>
-<p:sld xmlns:a="http://schemas.openxmlformats.org/drawingml/2006/main" xmlns:r="http://schemas.openxmlformats.org/officeDocument/2006/relationships" xmlns:p="http://schemas.openxmlformats.org/presentationml/2006/main">
-  <p:cSld>
-    <p:spTree>
-      <p:nvGrpSpPr>
-        <p:cNvPr id="1" name=""/>
-        <p:cNvGrpSpPr/>
-        <p:nvPr/>
-      </p:nvGrpSpPr>
-      <p:grpSpPr>
-        <a:xfrm>
-          <a:off x="0" y="0"/>
-          <a:ext cx="0" cy="0"/>
-          <a:chOff x="0" y="0"/>
-          <a:chExt cx="0" cy="0"/>
-        </a:xfrm>
-      </p:grpSpPr>
-      <p:sp>
-        <p:nvSpPr>
-          <p:cNvPr id="2" name="Pavadinimas 1"/>
-          <p:cNvSpPr>
-            <a:spLocks noGrp="1"/>
-          </p:cNvSpPr>
-          <p:nvPr>
-            <p:ph type="ctrTitle"/>
-          </p:nvPr>
-        </p:nvSpPr>
-        <p:spPr>
-          <a:xfrm>
-            <a:off x="141316" y="228601"/>
-            <a:ext cx="10518370" cy="1112172"/>
-          </a:xfrm>
-        </p:spPr>
-        <p:txBody>
-          <a:bodyPr>
-            <a:normAutofit/>
-          </a:bodyPr>
-          <a:lstStyle/>
-          <a:p>
-            <a:pPr algn="ctr"/>
-            <a:r>
-              <a:rPr lang="en-US" b="1" dirty="0"/>
-              <a:t>POST Method with Mixed Parameters</a:t>
-            </a:r>
-          </a:p>
-        </p:txBody>
-      </p:sp>
-      <p:pic>
-        <p:nvPicPr>
-          <p:cNvPr id="4" name="Paveikslėlis 3"/>
-          <p:cNvPicPr>
-            <a:picLocks noChangeAspect="1"/>
-          </p:cNvPicPr>
-          <p:nvPr/>
-        </p:nvPicPr>
-        <p:blipFill>
-          <a:blip r:embed="rId3"/>
-          <a:stretch>
-            <a:fillRect/>
-          </a:stretch>
-        </p:blipFill>
-        <p:spPr>
-          <a:xfrm>
-            <a:off x="254978" y="1340772"/>
-            <a:ext cx="11139228" cy="3231227"/>
-          </a:xfrm>
-          <a:prstGeom prst="rect">
-            <a:avLst/>
-          </a:prstGeom>
-        </p:spPr>
-      </p:pic>
-    </p:spTree>
-    <p:extLst>
-      <p:ext uri="{BB962C8B-B14F-4D97-AF65-F5344CB8AC3E}">
-        <p14:creationId xmlns:p14="http://schemas.microsoft.com/office/powerpoint/2010/main" val="3511328906"/>
-      </p:ext>
-    </p:extLst>
-  </p:cSld>
-  <p:clrMapOvr>
-    <a:masterClrMapping/>
-  </p:clrMapOvr>
-  <p:timing>
-    <p:tnLst>
-      <p:par>
-        <p:cTn id="1" dur="indefinite" restart="never" nodeType="tmRoot">
-          <p:childTnLst>
-            <p:seq concurrent="1" nextAc="seek">
-              <p:cTn id="2" dur="indefinite" nodeType="mainSeq">
-                <p:childTnLst>
-                  <p:par>
-                    <p:cTn id="3" fill="hold">
-                      <p:stCondLst>
-                        <p:cond delay="indefinite"/>
-                      </p:stCondLst>
-                      <p:childTnLst>
-                        <p:par>
-                          <p:cTn id="4" fill="hold">
-                            <p:stCondLst>
-                              <p:cond delay="0"/>
-                            </p:stCondLst>
-                            <p:childTnLst>
-                              <p:par>
-                                <p:cTn id="5" presetID="2" presetClass="entr" presetSubtype="4" fill="hold" nodeType="clickEffect">
-                                  <p:stCondLst>
-                                    <p:cond delay="0"/>
-                                  </p:stCondLst>
-                                  <p:childTnLst>
-                                    <p:set>
-                                      <p:cBhvr>
-                                        <p:cTn id="6" dur="1" fill="hold">
-                                          <p:stCondLst>
-                                            <p:cond delay="0"/>
-                                          </p:stCondLst>
-                                        </p:cTn>
-                                        <p:tgtEl>
-                                          <p:spTgt spid="4"/>
-                                        </p:tgtEl>
-                                        <p:attrNameLst>
-                                          <p:attrName>style.visibility</p:attrName>
-                                        </p:attrNameLst>
-                                      </p:cBhvr>
-                                      <p:to>
-                                        <p:strVal val="visible"/>
-                                      </p:to>
-                                    </p:set>
-                                    <p:anim calcmode="lin" valueType="num">
-                                      <p:cBhvr additive="base">
-                                        <p:cTn id="7" dur="500" fill="hold"/>
-                                        <p:tgtEl>
-                                          <p:spTgt spid="4"/>
-                                        </p:tgtEl>
-                                        <p:attrNameLst>
-                                          <p:attrName>ppt_x</p:attrName>
-                                        </p:attrNameLst>
-                                      </p:cBhvr>
-                                      <p:tavLst>
-                                        <p:tav tm="0">
-                                          <p:val>
-                                            <p:strVal val="#ppt_x"/>
-                                          </p:val>
-                                        </p:tav>
-                                        <p:tav tm="100000">
-                                          <p:val>
-                                            <p:strVal val="#ppt_x"/>
-                                          </p:val>
-                                        </p:tav>
-                                      </p:tavLst>
-                                    </p:anim>
-                                    <p:anim calcmode="lin" valueType="num">
-                                      <p:cBhvr additive="base">
-                                        <p:cTn id="8" dur="500" fill="hold"/>
-                                        <p:tgtEl>
-                                          <p:spTgt spid="4"/>
-                                        </p:tgtEl>
-                                        <p:attrNameLst>
-                                          <p:attrName>ppt_y</p:attrName>
-                                        </p:attrNameLst>
-                                      </p:cBhvr>
-                                      <p:tavLst>
-                                        <p:tav tm="0">
-                                          <p:val>
-                                            <p:strVal val="1+#ppt_h/2"/>
-                                          </p:val>
-                                        </p:tav>
-                                        <p:tav tm="100000">
-                                          <p:val>
-                                            <p:strVal val="#ppt_y"/>
-                                          </p:val>
-                                        </p:tav>
-                                      </p:tavLst>
-                                    </p:anim>
-                                  </p:childTnLst>
-                                </p:cTn>
-                              </p:par>
-                            </p:childTnLst>
-                          </p:cTn>
-                        </p:par>
-                      </p:childTnLst>
-                    </p:cTn>
-                  </p:par>
-                </p:childTnLst>
-              </p:cTn>
-              <p:prevCondLst>
-                <p:cond evt="onPrev" delay="0">
-                  <p:tgtEl>
-                    <p:sldTgt/>
-                  </p:tgtEl>
-                </p:cond>
-              </p:prevCondLst>
-              <p:nextCondLst>
-                <p:cond evt="onNext" delay="0">
-                  <p:tgtEl>
-                    <p:sldTgt/>
-                  </p:tgtEl>
-                </p:cond>
-              </p:nextCondLst>
-            </p:seq>
-          </p:childTnLst>
-        </p:cTn>
-      </p:par>
-    </p:tnLst>
-  </p:timing>
-</p:sld>
-</file>
-
-<file path=ppt/slides/slide21.xml><?xml version="1.0" encoding="utf-8"?>
-<p:sld xmlns:a="http://schemas.openxmlformats.org/drawingml/2006/main" xmlns:r="http://schemas.openxmlformats.org/officeDocument/2006/relationships" xmlns:p="http://schemas.openxmlformats.org/presentationml/2006/main">
-  <p:cSld>
-    <p:spTree>
-      <p:nvGrpSpPr>
-        <p:cNvPr id="1" name=""/>
-        <p:cNvGrpSpPr/>
-        <p:nvPr/>
-      </p:nvGrpSpPr>
-      <p:grpSpPr>
-        <a:xfrm>
-          <a:off x="0" y="0"/>
-          <a:ext cx="0" cy="0"/>
-          <a:chOff x="0" y="0"/>
-          <a:chExt cx="0" cy="0"/>
-        </a:xfrm>
-      </p:grpSpPr>
-      <p:sp>
-        <p:nvSpPr>
-          <p:cNvPr id="2" name="Pavadinimas 1"/>
-          <p:cNvSpPr>
-            <a:spLocks noGrp="1"/>
-          </p:cNvSpPr>
-          <p:nvPr>
-            <p:ph type="ctrTitle"/>
-          </p:nvPr>
-        </p:nvSpPr>
-        <p:spPr>
-          <a:xfrm>
-            <a:off x="141316" y="228601"/>
-            <a:ext cx="10518370" cy="1112172"/>
-          </a:xfrm>
-        </p:spPr>
-        <p:txBody>
-          <a:bodyPr>
-            <a:normAutofit/>
-          </a:bodyPr>
-          <a:lstStyle/>
-          <a:p>
-            <a:pPr algn="ctr"/>
-            <a:r>
-              <a:rPr lang="lt-LT" b="1" dirty="0"/>
-              <a:t>[</a:t>
-            </a:r>
-            <a:r>
-              <a:rPr lang="lt-LT" b="1" dirty="0" err="1"/>
-              <a:t>FromUri</a:t>
-            </a:r>
-            <a:r>
-              <a:rPr lang="lt-LT" b="1" dirty="0"/>
-              <a:t>] </a:t>
-            </a:r>
-            <a:r>
-              <a:rPr lang="lt-LT" b="1" dirty="0" err="1"/>
-              <a:t>and</a:t>
-            </a:r>
-            <a:r>
-              <a:rPr lang="lt-LT" b="1" dirty="0"/>
-              <a:t> [</a:t>
-            </a:r>
-            <a:r>
-              <a:rPr lang="lt-LT" b="1" dirty="0" err="1"/>
-              <a:t>FromBody</a:t>
-            </a:r>
-            <a:r>
-              <a:rPr lang="lt-LT" b="1" dirty="0" smtClean="0"/>
-              <a:t>]</a:t>
-            </a:r>
-            <a:endParaRPr lang="lt-LT" dirty="0"/>
-          </a:p>
-        </p:txBody>
-      </p:sp>
-      <p:sp>
-        <p:nvSpPr>
-          <p:cNvPr id="3" name="Turinio vietos rezervavimo ženklas 2"/>
-          <p:cNvSpPr>
-            <a:spLocks noGrp="1"/>
-          </p:cNvSpPr>
-          <p:nvPr>
-            <p:ph type="subTitle" idx="1"/>
-          </p:nvPr>
-        </p:nvSpPr>
-        <p:spPr>
-          <a:xfrm>
-            <a:off x="527387" y="1484784"/>
-            <a:ext cx="11055016" cy="1283816"/>
-          </a:xfrm>
-        </p:spPr>
-        <p:txBody>
-          <a:bodyPr/>
-          <a:lstStyle/>
-          <a:p>
-            <a:r>
-              <a:rPr lang="en-US" dirty="0"/>
-              <a:t>Use [</a:t>
-            </a:r>
-            <a:r>
-              <a:rPr lang="en-US" dirty="0" err="1"/>
-              <a:t>FromUri</a:t>
-            </a:r>
-            <a:r>
-              <a:rPr lang="en-US" dirty="0"/>
-              <a:t>] attribute to force Web API to get the value of complex type from the query string and [</a:t>
-            </a:r>
-            <a:r>
-              <a:rPr lang="en-US" dirty="0" err="1"/>
-              <a:t>FromBody</a:t>
-            </a:r>
-            <a:r>
-              <a:rPr lang="en-US" dirty="0"/>
-              <a:t>] attribute to get the value of primitive type from the request body, opposite to the default rules.</a:t>
-            </a:r>
-            <a:endParaRPr lang="lt-LT" dirty="0" smtClean="0"/>
-          </a:p>
-        </p:txBody>
-      </p:sp>
-      <p:grpSp>
-        <p:nvGrpSpPr>
-          <p:cNvPr id="6" name="Grupė 5"/>
-          <p:cNvGrpSpPr/>
-          <p:nvPr/>
-        </p:nvGrpSpPr>
-        <p:grpSpPr>
-          <a:xfrm>
-            <a:off x="2521287" y="2912611"/>
-            <a:ext cx="6610013" cy="2741558"/>
-            <a:chOff x="2521287" y="2912611"/>
-            <a:chExt cx="6610013" cy="2741558"/>
-          </a:xfrm>
-        </p:grpSpPr>
-        <p:pic>
-          <p:nvPicPr>
-            <p:cNvPr id="4" name="Paveikslėlis 3"/>
-            <p:cNvPicPr>
-              <a:picLocks noChangeAspect="1"/>
-            </p:cNvPicPr>
-            <p:nvPr/>
-          </p:nvPicPr>
-          <p:blipFill>
-            <a:blip r:embed="rId3"/>
-            <a:stretch>
-              <a:fillRect/>
-            </a:stretch>
-          </p:blipFill>
-          <p:spPr>
-            <a:xfrm>
-              <a:off x="2521287" y="2912611"/>
-              <a:ext cx="6610013" cy="2741558"/>
-            </a:xfrm>
-            <a:prstGeom prst="rect">
-              <a:avLst/>
-            </a:prstGeom>
-          </p:spPr>
-        </p:pic>
-        <p:sp>
-          <p:nvSpPr>
-            <p:cNvPr id="5" name="Stačiakampis 4"/>
-            <p:cNvSpPr/>
-            <p:nvPr/>
-          </p:nvSpPr>
-          <p:spPr>
-            <a:xfrm>
-              <a:off x="7105650" y="3028950"/>
-              <a:ext cx="463550" cy="431800"/>
-            </a:xfrm>
-            <a:prstGeom prst="rect">
-              <a:avLst/>
-            </a:prstGeom>
-            <a:solidFill>
-              <a:srgbClr val="FBFBFC"/>
-            </a:solidFill>
-            <a:ln>
-              <a:noFill/>
-            </a:ln>
-          </p:spPr>
-          <p:style>
-            <a:lnRef idx="2">
-              <a:schemeClr val="accent1">
-                <a:shade val="50000"/>
-              </a:schemeClr>
-            </a:lnRef>
-            <a:fillRef idx="1">
-              <a:schemeClr val="accent1"/>
-            </a:fillRef>
-            <a:effectRef idx="0">
-              <a:schemeClr val="accent1"/>
-            </a:effectRef>
-            <a:fontRef idx="minor">
-              <a:schemeClr val="lt1"/>
-            </a:fontRef>
-          </p:style>
-          <p:txBody>
-            <a:bodyPr rtlCol="0" anchor="ctr"/>
-            <a:lstStyle/>
-            <a:p>
-              <a:pPr algn="ctr"/>
-              <a:endParaRPr lang="lt-LT"/>
-            </a:p>
-          </p:txBody>
-        </p:sp>
-      </p:grpSp>
-    </p:spTree>
-    <p:extLst>
-      <p:ext uri="{BB962C8B-B14F-4D97-AF65-F5344CB8AC3E}">
-        <p14:creationId xmlns:p14="http://schemas.microsoft.com/office/powerpoint/2010/main" val="3335050973"/>
-      </p:ext>
-    </p:extLst>
-  </p:cSld>
-  <p:clrMapOvr>
-    <a:masterClrMapping/>
-  </p:clrMapOvr>
-  <p:timing>
-    <p:tnLst>
-      <p:par>
-        <p:cTn id="1" dur="indefinite" restart="never" nodeType="tmRoot">
-          <p:childTnLst>
-            <p:seq concurrent="1" nextAc="seek">
-              <p:cTn id="2" dur="indefinite" nodeType="mainSeq">
-                <p:childTnLst>
-                  <p:par>
-                    <p:cTn id="3" fill="hold">
-                      <p:stCondLst>
-                        <p:cond delay="indefinite"/>
-                      </p:stCondLst>
-                      <p:childTnLst>
-                        <p:par>
-                          <p:cTn id="4" fill="hold">
-                            <p:stCondLst>
-                              <p:cond delay="0"/>
-                            </p:stCondLst>
-                            <p:childTnLst>
-                              <p:par>
-                                <p:cTn id="5" presetID="1" presetClass="entr" presetSubtype="0" fill="hold" grpId="0" nodeType="clickEffect">
-                                  <p:stCondLst>
-                                    <p:cond delay="0"/>
-                                  </p:stCondLst>
-                                  <p:childTnLst>
-                                    <p:set>
-                                      <p:cBhvr>
-                                        <p:cTn id="6" dur="1" fill="hold">
-                                          <p:stCondLst>
-                                            <p:cond delay="0"/>
-                                          </p:stCondLst>
-                                        </p:cTn>
-                                        <p:tgtEl>
-                                          <p:spTgt spid="3">
-                                            <p:txEl>
-                                              <p:pRg st="0" end="0"/>
-                                            </p:txEl>
-                                          </p:spTgt>
-                                        </p:tgtEl>
-                                        <p:attrNameLst>
-                                          <p:attrName>style.visibility</p:attrName>
-                                        </p:attrNameLst>
-                                      </p:cBhvr>
-                                      <p:to>
-                                        <p:strVal val="visible"/>
-                                      </p:to>
-                                    </p:set>
-                                  </p:childTnLst>
-                                </p:cTn>
-                              </p:par>
-                            </p:childTnLst>
-                          </p:cTn>
-                        </p:par>
-                      </p:childTnLst>
-                    </p:cTn>
-                  </p:par>
-                </p:childTnLst>
-              </p:cTn>
-              <p:prevCondLst>
-                <p:cond evt="onPrev" delay="0">
-                  <p:tgtEl>
-                    <p:sldTgt/>
-                  </p:tgtEl>
-                </p:cond>
-              </p:prevCondLst>
-              <p:nextCondLst>
-                <p:cond evt="onNext" delay="0">
-                  <p:tgtEl>
-                    <p:sldTgt/>
-                  </p:tgtEl>
-                </p:cond>
-              </p:nextCondLst>
-            </p:seq>
-          </p:childTnLst>
-        </p:cTn>
-      </p:par>
-    </p:tnLst>
-    <p:bldLst>
-      <p:bldP spid="3" grpId="0" uiExpand="1" build="p"/>
-    </p:bldLst>
-  </p:timing>
-</p:sld>
-</file>
-
-<file path=ppt/slides/slide22.xml><?xml version="1.0" encoding="utf-8"?>
-<p:sld xmlns:a="http://schemas.openxmlformats.org/drawingml/2006/main" xmlns:r="http://schemas.openxmlformats.org/officeDocument/2006/relationships" xmlns:p="http://schemas.openxmlformats.org/presentationml/2006/main">
-  <p:cSld>
-    <p:spTree>
-      <p:nvGrpSpPr>
-        <p:cNvPr id="1" name=""/>
-        <p:cNvGrpSpPr/>
-        <p:nvPr/>
-      </p:nvGrpSpPr>
-      <p:grpSpPr>
-        <a:xfrm>
-          <a:off x="0" y="0"/>
-          <a:ext cx="0" cy="0"/>
-          <a:chOff x="0" y="0"/>
-          <a:chExt cx="0" cy="0"/>
-        </a:xfrm>
-      </p:grpSpPr>
-      <p:sp>
-        <p:nvSpPr>
-          <p:cNvPr id="2" name="Pavadinimas 1"/>
-          <p:cNvSpPr>
-            <a:spLocks noGrp="1"/>
-          </p:cNvSpPr>
-          <p:nvPr>
-            <p:ph type="ctrTitle"/>
-          </p:nvPr>
-        </p:nvSpPr>
-        <p:spPr>
-          <a:xfrm>
-            <a:off x="141316" y="228601"/>
-            <a:ext cx="10518370" cy="1112172"/>
-          </a:xfrm>
-        </p:spPr>
-        <p:txBody>
-          <a:bodyPr>
-            <a:normAutofit/>
-          </a:bodyPr>
-          <a:lstStyle/>
-          <a:p>
-            <a:pPr algn="ctr"/>
-            <a:r>
-              <a:rPr lang="lt-LT" dirty="0" err="1" smtClean="0"/>
-              <a:t>Parameter</a:t>
-            </a:r>
-            <a:r>
-              <a:rPr lang="lt-LT" dirty="0" smtClean="0"/>
-              <a:t> </a:t>
-            </a:r>
-            <a:r>
-              <a:rPr lang="lt-LT" dirty="0" err="1"/>
-              <a:t>binding</a:t>
-            </a:r>
-            <a:r>
-              <a:rPr lang="lt-LT" dirty="0"/>
-              <a:t> </a:t>
-            </a:r>
-            <a:r>
-              <a:rPr lang="lt-LT" dirty="0" err="1"/>
-              <a:t>rules</a:t>
-            </a:r>
-            <a:endParaRPr lang="lt-LT" dirty="0"/>
-          </a:p>
-        </p:txBody>
-      </p:sp>
-      <p:pic>
-        <p:nvPicPr>
-          <p:cNvPr id="4" name="Paveikslėlis 3"/>
-          <p:cNvPicPr>
-            <a:picLocks noChangeAspect="1"/>
-          </p:cNvPicPr>
-          <p:nvPr/>
-        </p:nvPicPr>
-        <p:blipFill>
-          <a:blip r:embed="rId3"/>
-          <a:stretch>
-            <a:fillRect/>
-          </a:stretch>
-        </p:blipFill>
-        <p:spPr>
-          <a:xfrm>
-            <a:off x="1333500" y="1850496"/>
-            <a:ext cx="8848245" cy="3851803"/>
-          </a:xfrm>
-          <a:prstGeom prst="rect">
-            <a:avLst/>
-          </a:prstGeom>
-        </p:spPr>
-      </p:pic>
-    </p:spTree>
-    <p:extLst>
-      <p:ext uri="{BB962C8B-B14F-4D97-AF65-F5344CB8AC3E}">
-        <p14:creationId xmlns:p14="http://schemas.microsoft.com/office/powerpoint/2010/main" val="2925106004"/>
-      </p:ext>
-    </p:extLst>
-  </p:cSld>
-  <p:clrMapOvr>
-    <a:masterClrMapping/>
-  </p:clrMapOvr>
-  <p:timing>
-    <p:tnLst>
-      <p:par>
-        <p:cTn id="1" dur="indefinite" restart="never" nodeType="tmRoot">
-          <p:childTnLst>
-            <p:seq concurrent="1" nextAc="seek">
-              <p:cTn id="2" dur="indefinite" nodeType="mainSeq">
-                <p:childTnLst>
-                  <p:par>
-                    <p:cTn id="3" fill="hold">
-                      <p:stCondLst>
-                        <p:cond delay="indefinite"/>
-                      </p:stCondLst>
-                      <p:childTnLst>
-                        <p:par>
-                          <p:cTn id="4" fill="hold">
-                            <p:stCondLst>
-                              <p:cond delay="0"/>
-                            </p:stCondLst>
-                            <p:childTnLst>
-                              <p:par>
-                                <p:cTn id="5" presetID="2" presetClass="entr" presetSubtype="4" fill="hold" nodeType="clickEffect">
-                                  <p:stCondLst>
-                                    <p:cond delay="0"/>
-                                  </p:stCondLst>
-                                  <p:childTnLst>
-                                    <p:set>
-                                      <p:cBhvr>
-                                        <p:cTn id="6" dur="1" fill="hold">
-                                          <p:stCondLst>
-                                            <p:cond delay="0"/>
-                                          </p:stCondLst>
-                                        </p:cTn>
-                                        <p:tgtEl>
-                                          <p:spTgt spid="4"/>
-                                        </p:tgtEl>
-                                        <p:attrNameLst>
-                                          <p:attrName>style.visibility</p:attrName>
-                                        </p:attrNameLst>
-                                      </p:cBhvr>
-                                      <p:to>
-                                        <p:strVal val="visible"/>
-                                      </p:to>
-                                    </p:set>
-                                    <p:anim calcmode="lin" valueType="num">
-                                      <p:cBhvr additive="base">
-                                        <p:cTn id="7" dur="500" fill="hold"/>
-                                        <p:tgtEl>
-                                          <p:spTgt spid="4"/>
-                                        </p:tgtEl>
-                                        <p:attrNameLst>
-                                          <p:attrName>ppt_x</p:attrName>
-                                        </p:attrNameLst>
-                                      </p:cBhvr>
-                                      <p:tavLst>
-                                        <p:tav tm="0">
-                                          <p:val>
-                                            <p:strVal val="#ppt_x"/>
-                                          </p:val>
-                                        </p:tav>
-                                        <p:tav tm="100000">
-                                          <p:val>
-                                            <p:strVal val="#ppt_x"/>
-                                          </p:val>
-                                        </p:tav>
-                                      </p:tavLst>
-                                    </p:anim>
-                                    <p:anim calcmode="lin" valueType="num">
-                                      <p:cBhvr additive="base">
-                                        <p:cTn id="8" dur="500" fill="hold"/>
-                                        <p:tgtEl>
-                                          <p:spTgt spid="4"/>
-                                        </p:tgtEl>
-                                        <p:attrNameLst>
-                                          <p:attrName>ppt_y</p:attrName>
-                                        </p:attrNameLst>
-                                      </p:cBhvr>
-                                      <p:tavLst>
-                                        <p:tav tm="0">
-                                          <p:val>
-                                            <p:strVal val="1+#ppt_h/2"/>
-                                          </p:val>
-                                        </p:tav>
-                                        <p:tav tm="100000">
-                                          <p:val>
-                                            <p:strVal val="#ppt_y"/>
-                                          </p:val>
-                                        </p:tav>
-                                      </p:tavLst>
-                                    </p:anim>
-                                  </p:childTnLst>
-                                </p:cTn>
-                              </p:par>
-                            </p:childTnLst>
-                          </p:cTn>
-                        </p:par>
-                      </p:childTnLst>
-                    </p:cTn>
-                  </p:par>
-                </p:childTnLst>
-              </p:cTn>
-              <p:prevCondLst>
-                <p:cond evt="onPrev" delay="0">
-                  <p:tgtEl>
-                    <p:sldTgt/>
-                  </p:tgtEl>
-                </p:cond>
-              </p:prevCondLst>
-              <p:nextCondLst>
-                <p:cond evt="onNext" delay="0">
-                  <p:tgtEl>
-                    <p:sldTgt/>
-                  </p:tgtEl>
-                </p:cond>
-              </p:nextCondLst>
-            </p:seq>
-          </p:childTnLst>
-        </p:cTn>
-      </p:par>
-    </p:tnLst>
-  </p:timing>
-</p:sld>
-</file>
-
-<file path=ppt/slides/slide23.xml><?xml version="1.0" encoding="utf-8"?>
+<file path=ppt/slides/slide19.xml><?xml version="1.0" encoding="utf-8"?>
 <p:sld xmlns:a="http://schemas.openxmlformats.org/drawingml/2006/main" xmlns:r="http://schemas.openxmlformats.org/officeDocument/2006/relationships" xmlns:p="http://schemas.openxmlformats.org/presentationml/2006/main">
   <p:cSld>
     <p:spTree>
@@ -14517,7 +11103,7 @@
 </p:sld>
 </file>
 
-<file path=ppt/slides/slide24.xml><?xml version="1.0" encoding="utf-8"?>
+<file path=ppt/slides/slide2.xml><?xml version="1.0" encoding="utf-8"?>
 <p:sld xmlns:a="http://schemas.openxmlformats.org/drawingml/2006/main" xmlns:r="http://schemas.openxmlformats.org/officeDocument/2006/relationships" xmlns:p="http://schemas.openxmlformats.org/presentationml/2006/main">
   <p:cSld>
     <p:spTree>
@@ -14558,10 +11144,17 @@
           <a:p>
             <a:pPr algn="ctr"/>
             <a:r>
-              <a:rPr lang="lt-LT" dirty="0" err="1" smtClean="0"/>
-              <a:t>Void</a:t>
-            </a:r>
-            <a:endParaRPr lang="lt-LT" dirty="0"/>
+              <a:rPr lang="lt-LT" b="1" dirty="0"/>
+              <a:t>ASP.NET </a:t>
+            </a:r>
+            <a:r>
+              <a:rPr lang="lt-LT" b="1" dirty="0" err="1"/>
+              <a:t>Web</a:t>
+            </a:r>
+            <a:r>
+              <a:rPr lang="lt-LT" b="1" dirty="0"/>
+              <a:t> API</a:t>
+            </a:r>
           </a:p>
         </p:txBody>
       </p:sp>
@@ -14575,52 +11168,30 @@
             <p:ph type="subTitle" idx="1"/>
           </p:nvPr>
         </p:nvSpPr>
-        <p:spPr>
-          <a:xfrm>
-            <a:off x="527387" y="1484784"/>
-            <a:ext cx="11055016" cy="839316"/>
-          </a:xfrm>
-        </p:spPr>
+        <p:spPr/>
         <p:txBody>
           <a:bodyPr/>
           <a:lstStyle/>
           <a:p>
             <a:r>
               <a:rPr lang="en-US" dirty="0"/>
-              <a:t>It's not necessary that all action methods must return something. It can have void return type.</a:t>
-            </a:r>
-            <a:endParaRPr lang="lt-LT" dirty="0" smtClean="0"/>
+              <a:t>ASP.NET Web API is a framework for building HTTP services that can be accessed from any client including browsers and mobile </a:t>
+            </a:r>
+            <a:r>
+              <a:rPr lang="en-US" dirty="0" smtClean="0"/>
+              <a:t>devices</a:t>
+            </a:r>
+            <a:r>
+              <a:rPr lang="lt-LT" dirty="0" smtClean="0"/>
+              <a:t>.</a:t>
+            </a:r>
           </a:p>
         </p:txBody>
       </p:sp>
-      <p:pic>
-        <p:nvPicPr>
-          <p:cNvPr id="4" name="Paveikslėlis 3"/>
-          <p:cNvPicPr>
-            <a:picLocks noChangeAspect="1"/>
-          </p:cNvPicPr>
-          <p:nvPr/>
-        </p:nvPicPr>
-        <p:blipFill>
-          <a:blip r:embed="rId3"/>
-          <a:stretch>
-            <a:fillRect/>
-          </a:stretch>
-        </p:blipFill>
-        <p:spPr>
-          <a:xfrm>
-            <a:off x="386567" y="2590800"/>
-            <a:ext cx="11195836" cy="1962269"/>
-          </a:xfrm>
-          <a:prstGeom prst="rect">
-            <a:avLst/>
-          </a:prstGeom>
-        </p:spPr>
-      </p:pic>
     </p:spTree>
     <p:extLst>
       <p:ext uri="{BB962C8B-B14F-4D97-AF65-F5344CB8AC3E}">
-        <p14:creationId xmlns:p14="http://schemas.microsoft.com/office/powerpoint/2010/main" val="3608963764"/>
+        <p14:creationId xmlns:p14="http://schemas.microsoft.com/office/powerpoint/2010/main" val="3822548467"/>
       </p:ext>
     </p:extLst>
   </p:cSld>
@@ -14648,7 +11219,7 @@
                             </p:stCondLst>
                             <p:childTnLst>
                               <p:par>
-                                <p:cTn id="5" presetID="1" presetClass="entr" presetSubtype="0" fill="hold" grpId="0" nodeType="clickEffect">
+                                <p:cTn id="5" presetID="2" presetClass="entr" presetSubtype="4" fill="hold" grpId="0" nodeType="clickEffect">
                                   <p:stCondLst>
                                     <p:cond delay="0"/>
                                   </p:stCondLst>
@@ -14675,56 +11246,15 @@
                                         <p:strVal val="visible"/>
                                       </p:to>
                                     </p:set>
-                                  </p:childTnLst>
-                                </p:cTn>
-                              </p:par>
-                            </p:childTnLst>
-                          </p:cTn>
-                        </p:par>
-                      </p:childTnLst>
-                    </p:cTn>
-                  </p:par>
-                  <p:par>
-                    <p:cTn id="7" fill="hold">
-                      <p:stCondLst>
-                        <p:cond delay="indefinite"/>
-                      </p:stCondLst>
-                      <p:childTnLst>
-                        <p:par>
-                          <p:cTn id="8" fill="hold">
-                            <p:stCondLst>
-                              <p:cond delay="0"/>
-                            </p:stCondLst>
-                            <p:childTnLst>
-                              <p:par>
-                                <p:cTn id="9" presetID="2" presetClass="entr" presetSubtype="4" fill="hold" nodeType="clickEffect">
-                                  <p:stCondLst>
-                                    <p:cond delay="0"/>
-                                  </p:stCondLst>
-                                  <p:childTnLst>
-                                    <p:set>
-                                      <p:cBhvr>
-                                        <p:cTn id="10" dur="1" fill="hold">
-                                          <p:stCondLst>
-                                            <p:cond delay="0"/>
-                                          </p:stCondLst>
-                                        </p:cTn>
-                                        <p:tgtEl>
-                                          <p:spTgt spid="4"/>
-                                        </p:tgtEl>
-                                        <p:attrNameLst>
-                                          <p:attrName>style.visibility</p:attrName>
-                                        </p:attrNameLst>
-                                      </p:cBhvr>
-                                      <p:to>
-                                        <p:strVal val="visible"/>
-                                      </p:to>
-                                    </p:set>
                                     <p:anim calcmode="lin" valueType="num">
                                       <p:cBhvr additive="base">
-                                        <p:cTn id="11" dur="500" fill="hold"/>
+                                        <p:cTn id="7" dur="500" fill="hold"/>
                                         <p:tgtEl>
-                                          <p:spTgt spid="4"/>
+                                          <p:spTgt spid="3">
+                                            <p:txEl>
+                                              <p:pRg st="0" end="0"/>
+                                            </p:txEl>
+                                          </p:spTgt>
                                         </p:tgtEl>
                                         <p:attrNameLst>
                                           <p:attrName>ppt_x</p:attrName>
@@ -14745,9 +11275,13 @@
                                     </p:anim>
                                     <p:anim calcmode="lin" valueType="num">
                                       <p:cBhvr additive="base">
-                                        <p:cTn id="12" dur="500" fill="hold"/>
+                                        <p:cTn id="8" dur="500" fill="hold"/>
                                         <p:tgtEl>
-                                          <p:spTgt spid="4"/>
+                                          <p:spTgt spid="3">
+                                            <p:txEl>
+                                              <p:pRg st="0" end="0"/>
+                                            </p:txEl>
+                                          </p:spTgt>
                                         </p:tgtEl>
                                         <p:attrNameLst>
                                           <p:attrName>ppt_y</p:attrName>
@@ -14797,1286 +11331,7 @@
       </p:par>
     </p:tnLst>
     <p:bldLst>
-      <p:bldP spid="3" grpId="0" uiExpand="1" build="p"/>
-    </p:bldLst>
-  </p:timing>
-</p:sld>
-</file>
-
-<file path=ppt/slides/slide25.xml><?xml version="1.0" encoding="utf-8"?>
-<p:sld xmlns:a="http://schemas.openxmlformats.org/drawingml/2006/main" xmlns:r="http://schemas.openxmlformats.org/officeDocument/2006/relationships" xmlns:p="http://schemas.openxmlformats.org/presentationml/2006/main">
-  <p:cSld>
-    <p:spTree>
-      <p:nvGrpSpPr>
-        <p:cNvPr id="1" name=""/>
-        <p:cNvGrpSpPr/>
-        <p:nvPr/>
-      </p:nvGrpSpPr>
-      <p:grpSpPr>
-        <a:xfrm>
-          <a:off x="0" y="0"/>
-          <a:ext cx="0" cy="0"/>
-          <a:chOff x="0" y="0"/>
-          <a:chExt cx="0" cy="0"/>
-        </a:xfrm>
-      </p:grpSpPr>
-      <p:sp>
-        <p:nvSpPr>
-          <p:cNvPr id="2" name="Pavadinimas 1"/>
-          <p:cNvSpPr>
-            <a:spLocks noGrp="1"/>
-          </p:cNvSpPr>
-          <p:nvPr>
-            <p:ph type="ctrTitle"/>
-          </p:nvPr>
-        </p:nvSpPr>
-        <p:spPr>
-          <a:xfrm>
-            <a:off x="141316" y="228601"/>
-            <a:ext cx="10518370" cy="1112172"/>
-          </a:xfrm>
-        </p:spPr>
-        <p:txBody>
-          <a:bodyPr>
-            <a:normAutofit/>
-          </a:bodyPr>
-          <a:lstStyle/>
-          <a:p>
-            <a:pPr algn="ctr"/>
-            <a:r>
-              <a:rPr lang="lt-LT" b="1" dirty="0" err="1"/>
-              <a:t>Primitive</a:t>
-            </a:r>
-            <a:r>
-              <a:rPr lang="lt-LT" b="1" dirty="0"/>
-              <a:t> </a:t>
-            </a:r>
-            <a:r>
-              <a:rPr lang="lt-LT" b="1" dirty="0" err="1"/>
-              <a:t>or</a:t>
-            </a:r>
-            <a:r>
-              <a:rPr lang="lt-LT" b="1" dirty="0"/>
-              <a:t> </a:t>
-            </a:r>
-            <a:r>
-              <a:rPr lang="lt-LT" b="1" dirty="0" err="1"/>
-              <a:t>Complex</a:t>
-            </a:r>
-            <a:r>
-              <a:rPr lang="lt-LT" b="1" dirty="0"/>
-              <a:t> </a:t>
-            </a:r>
-            <a:r>
-              <a:rPr lang="lt-LT" b="1" dirty="0" smtClean="0"/>
-              <a:t>Type</a:t>
-            </a:r>
-            <a:endParaRPr lang="lt-LT" dirty="0"/>
-          </a:p>
-        </p:txBody>
-      </p:sp>
-      <p:sp>
-        <p:nvSpPr>
-          <p:cNvPr id="3" name="Turinio vietos rezervavimo ženklas 2"/>
-          <p:cNvSpPr>
-            <a:spLocks noGrp="1"/>
-          </p:cNvSpPr>
-          <p:nvPr>
-            <p:ph type="subTitle" idx="1"/>
-          </p:nvPr>
-        </p:nvSpPr>
-        <p:spPr>
-          <a:xfrm>
-            <a:off x="527387" y="1484784"/>
-            <a:ext cx="11055016" cy="953616"/>
-          </a:xfrm>
-        </p:spPr>
-        <p:txBody>
-          <a:bodyPr/>
-          <a:lstStyle/>
-          <a:p>
-            <a:r>
-              <a:rPr lang="en-US" dirty="0"/>
-              <a:t>An action method can return primitive or other custom complex types as other normal methods. </a:t>
-            </a:r>
-            <a:endParaRPr lang="lt-LT" dirty="0" smtClean="0"/>
-          </a:p>
-        </p:txBody>
-      </p:sp>
-      <p:pic>
-        <p:nvPicPr>
-          <p:cNvPr id="4" name="Paveikslėlis 3"/>
-          <p:cNvPicPr>
-            <a:picLocks noChangeAspect="1"/>
-          </p:cNvPicPr>
-          <p:nvPr/>
-        </p:nvPicPr>
-        <p:blipFill>
-          <a:blip r:embed="rId3"/>
-          <a:stretch>
-            <a:fillRect/>
-          </a:stretch>
-        </p:blipFill>
-        <p:spPr>
-          <a:xfrm>
-            <a:off x="2239091" y="2438400"/>
-            <a:ext cx="8420595" cy="4097117"/>
-          </a:xfrm>
-          <a:prstGeom prst="rect">
-            <a:avLst/>
-          </a:prstGeom>
-        </p:spPr>
-      </p:pic>
-    </p:spTree>
-    <p:extLst>
-      <p:ext uri="{BB962C8B-B14F-4D97-AF65-F5344CB8AC3E}">
-        <p14:creationId xmlns:p14="http://schemas.microsoft.com/office/powerpoint/2010/main" val="300305708"/>
-      </p:ext>
-    </p:extLst>
-  </p:cSld>
-  <p:clrMapOvr>
-    <a:masterClrMapping/>
-  </p:clrMapOvr>
-  <p:timing>
-    <p:tnLst>
-      <p:par>
-        <p:cTn id="1" dur="indefinite" restart="never" nodeType="tmRoot">
-          <p:childTnLst>
-            <p:seq concurrent="1" nextAc="seek">
-              <p:cTn id="2" dur="indefinite" nodeType="mainSeq">
-                <p:childTnLst>
-                  <p:par>
-                    <p:cTn id="3" fill="hold">
-                      <p:stCondLst>
-                        <p:cond delay="indefinite"/>
-                      </p:stCondLst>
-                      <p:childTnLst>
-                        <p:par>
-                          <p:cTn id="4" fill="hold">
-                            <p:stCondLst>
-                              <p:cond delay="0"/>
-                            </p:stCondLst>
-                            <p:childTnLst>
-                              <p:par>
-                                <p:cTn id="5" presetID="1" presetClass="entr" presetSubtype="0" fill="hold" grpId="0" nodeType="clickEffect">
-                                  <p:stCondLst>
-                                    <p:cond delay="0"/>
-                                  </p:stCondLst>
-                                  <p:childTnLst>
-                                    <p:set>
-                                      <p:cBhvr>
-                                        <p:cTn id="6" dur="1" fill="hold">
-                                          <p:stCondLst>
-                                            <p:cond delay="0"/>
-                                          </p:stCondLst>
-                                        </p:cTn>
-                                        <p:tgtEl>
-                                          <p:spTgt spid="3">
-                                            <p:txEl>
-                                              <p:pRg st="0" end="0"/>
-                                            </p:txEl>
-                                          </p:spTgt>
-                                        </p:tgtEl>
-                                        <p:attrNameLst>
-                                          <p:attrName>style.visibility</p:attrName>
-                                        </p:attrNameLst>
-                                      </p:cBhvr>
-                                      <p:to>
-                                        <p:strVal val="visible"/>
-                                      </p:to>
-                                    </p:set>
-                                  </p:childTnLst>
-                                </p:cTn>
-                              </p:par>
-                            </p:childTnLst>
-                          </p:cTn>
-                        </p:par>
-                      </p:childTnLst>
-                    </p:cTn>
-                  </p:par>
-                  <p:par>
-                    <p:cTn id="7" fill="hold">
-                      <p:stCondLst>
-                        <p:cond delay="indefinite"/>
-                      </p:stCondLst>
-                      <p:childTnLst>
-                        <p:par>
-                          <p:cTn id="8" fill="hold">
-                            <p:stCondLst>
-                              <p:cond delay="0"/>
-                            </p:stCondLst>
-                            <p:childTnLst>
-                              <p:par>
-                                <p:cTn id="9" presetID="2" presetClass="entr" presetSubtype="4" fill="hold" nodeType="clickEffect">
-                                  <p:stCondLst>
-                                    <p:cond delay="0"/>
-                                  </p:stCondLst>
-                                  <p:childTnLst>
-                                    <p:set>
-                                      <p:cBhvr>
-                                        <p:cTn id="10" dur="1" fill="hold">
-                                          <p:stCondLst>
-                                            <p:cond delay="0"/>
-                                          </p:stCondLst>
-                                        </p:cTn>
-                                        <p:tgtEl>
-                                          <p:spTgt spid="4"/>
-                                        </p:tgtEl>
-                                        <p:attrNameLst>
-                                          <p:attrName>style.visibility</p:attrName>
-                                        </p:attrNameLst>
-                                      </p:cBhvr>
-                                      <p:to>
-                                        <p:strVal val="visible"/>
-                                      </p:to>
-                                    </p:set>
-                                    <p:anim calcmode="lin" valueType="num">
-                                      <p:cBhvr additive="base">
-                                        <p:cTn id="11" dur="500" fill="hold"/>
-                                        <p:tgtEl>
-                                          <p:spTgt spid="4"/>
-                                        </p:tgtEl>
-                                        <p:attrNameLst>
-                                          <p:attrName>ppt_x</p:attrName>
-                                        </p:attrNameLst>
-                                      </p:cBhvr>
-                                      <p:tavLst>
-                                        <p:tav tm="0">
-                                          <p:val>
-                                            <p:strVal val="#ppt_x"/>
-                                          </p:val>
-                                        </p:tav>
-                                        <p:tav tm="100000">
-                                          <p:val>
-                                            <p:strVal val="#ppt_x"/>
-                                          </p:val>
-                                        </p:tav>
-                                      </p:tavLst>
-                                    </p:anim>
-                                    <p:anim calcmode="lin" valueType="num">
-                                      <p:cBhvr additive="base">
-                                        <p:cTn id="12" dur="500" fill="hold"/>
-                                        <p:tgtEl>
-                                          <p:spTgt spid="4"/>
-                                        </p:tgtEl>
-                                        <p:attrNameLst>
-                                          <p:attrName>ppt_y</p:attrName>
-                                        </p:attrNameLst>
-                                      </p:cBhvr>
-                                      <p:tavLst>
-                                        <p:tav tm="0">
-                                          <p:val>
-                                            <p:strVal val="1+#ppt_h/2"/>
-                                          </p:val>
-                                        </p:tav>
-                                        <p:tav tm="100000">
-                                          <p:val>
-                                            <p:strVal val="#ppt_y"/>
-                                          </p:val>
-                                        </p:tav>
-                                      </p:tavLst>
-                                    </p:anim>
-                                  </p:childTnLst>
-                                </p:cTn>
-                              </p:par>
-                            </p:childTnLst>
-                          </p:cTn>
-                        </p:par>
-                      </p:childTnLst>
-                    </p:cTn>
-                  </p:par>
-                </p:childTnLst>
-              </p:cTn>
-              <p:prevCondLst>
-                <p:cond evt="onPrev" delay="0">
-                  <p:tgtEl>
-                    <p:sldTgt/>
-                  </p:tgtEl>
-                </p:cond>
-              </p:prevCondLst>
-              <p:nextCondLst>
-                <p:cond evt="onNext" delay="0">
-                  <p:tgtEl>
-                    <p:sldTgt/>
-                  </p:tgtEl>
-                </p:cond>
-              </p:nextCondLst>
-            </p:seq>
-          </p:childTnLst>
-        </p:cTn>
-      </p:par>
-    </p:tnLst>
-    <p:bldLst>
-      <p:bldP spid="3" grpId="0" uiExpand="1" build="p"/>
-    </p:bldLst>
-  </p:timing>
-</p:sld>
-</file>
-
-<file path=ppt/slides/slide26.xml><?xml version="1.0" encoding="utf-8"?>
-<p:sld xmlns:a="http://schemas.openxmlformats.org/drawingml/2006/main" xmlns:r="http://schemas.openxmlformats.org/officeDocument/2006/relationships" xmlns:p="http://schemas.openxmlformats.org/presentationml/2006/main">
-  <p:cSld>
-    <p:spTree>
-      <p:nvGrpSpPr>
-        <p:cNvPr id="1" name=""/>
-        <p:cNvGrpSpPr/>
-        <p:nvPr/>
-      </p:nvGrpSpPr>
-      <p:grpSpPr>
-        <a:xfrm>
-          <a:off x="0" y="0"/>
-          <a:ext cx="0" cy="0"/>
-          <a:chOff x="0" y="0"/>
-          <a:chExt cx="0" cy="0"/>
-        </a:xfrm>
-      </p:grpSpPr>
-      <p:sp>
-        <p:nvSpPr>
-          <p:cNvPr id="2" name="Pavadinimas 1"/>
-          <p:cNvSpPr>
-            <a:spLocks noGrp="1"/>
-          </p:cNvSpPr>
-          <p:nvPr>
-            <p:ph type="ctrTitle"/>
-          </p:nvPr>
-        </p:nvSpPr>
-        <p:spPr>
-          <a:xfrm>
-            <a:off x="141316" y="228601"/>
-            <a:ext cx="10518370" cy="1112172"/>
-          </a:xfrm>
-        </p:spPr>
-        <p:txBody>
-          <a:bodyPr>
-            <a:normAutofit/>
-          </a:bodyPr>
-          <a:lstStyle/>
-          <a:p>
-            <a:pPr algn="ctr"/>
-            <a:r>
-              <a:rPr lang="lt-LT" b="1" dirty="0" err="1" smtClean="0"/>
-              <a:t>HttpResponseMessage</a:t>
-            </a:r>
-            <a:endParaRPr lang="lt-LT" dirty="0"/>
-          </a:p>
-        </p:txBody>
-      </p:sp>
-      <p:sp>
-        <p:nvSpPr>
-          <p:cNvPr id="3" name="Turinio vietos rezervavimo ženklas 2"/>
-          <p:cNvSpPr>
-            <a:spLocks noGrp="1"/>
-          </p:cNvSpPr>
-          <p:nvPr>
-            <p:ph type="subTitle" idx="1"/>
-          </p:nvPr>
-        </p:nvSpPr>
-        <p:spPr>
-          <a:xfrm>
-            <a:off x="527387" y="1484784"/>
-            <a:ext cx="11055016" cy="763116"/>
-          </a:xfrm>
-        </p:spPr>
-        <p:txBody>
-          <a:bodyPr/>
-          <a:lstStyle/>
-          <a:p>
-            <a:r>
-              <a:rPr lang="en-US" dirty="0"/>
-              <a:t>Web API controller always returns an object of </a:t>
-            </a:r>
-            <a:r>
-              <a:rPr lang="en-US" dirty="0" err="1"/>
-              <a:t>HttpResponseMessage</a:t>
-            </a:r>
-            <a:r>
-              <a:rPr lang="en-US" dirty="0"/>
-              <a:t> to the hosting infrastructure.</a:t>
-            </a:r>
-            <a:endParaRPr lang="lt-LT" dirty="0" smtClean="0"/>
-          </a:p>
-        </p:txBody>
-      </p:sp>
-      <p:pic>
-        <p:nvPicPr>
-          <p:cNvPr id="4" name="Paveikslėlis 3"/>
-          <p:cNvPicPr>
-            <a:picLocks noChangeAspect="1"/>
-          </p:cNvPicPr>
-          <p:nvPr/>
-        </p:nvPicPr>
-        <p:blipFill>
-          <a:blip r:embed="rId3"/>
-          <a:stretch>
-            <a:fillRect/>
-          </a:stretch>
-        </p:blipFill>
-        <p:spPr>
-          <a:xfrm>
-            <a:off x="1034674" y="2247900"/>
-            <a:ext cx="8953501" cy="3429000"/>
-          </a:xfrm>
-          <a:prstGeom prst="rect">
-            <a:avLst/>
-          </a:prstGeom>
-        </p:spPr>
-      </p:pic>
-    </p:spTree>
-    <p:extLst>
-      <p:ext uri="{BB962C8B-B14F-4D97-AF65-F5344CB8AC3E}">
-        <p14:creationId xmlns:p14="http://schemas.microsoft.com/office/powerpoint/2010/main" val="664363182"/>
-      </p:ext>
-    </p:extLst>
-  </p:cSld>
-  <p:clrMapOvr>
-    <a:masterClrMapping/>
-  </p:clrMapOvr>
-  <p:timing>
-    <p:tnLst>
-      <p:par>
-        <p:cTn id="1" dur="indefinite" restart="never" nodeType="tmRoot">
-          <p:childTnLst>
-            <p:seq concurrent="1" nextAc="seek">
-              <p:cTn id="2" dur="indefinite" nodeType="mainSeq">
-                <p:childTnLst>
-                  <p:par>
-                    <p:cTn id="3" fill="hold">
-                      <p:stCondLst>
-                        <p:cond delay="indefinite"/>
-                      </p:stCondLst>
-                      <p:childTnLst>
-                        <p:par>
-                          <p:cTn id="4" fill="hold">
-                            <p:stCondLst>
-                              <p:cond delay="0"/>
-                            </p:stCondLst>
-                            <p:childTnLst>
-                              <p:par>
-                                <p:cTn id="5" presetID="1" presetClass="entr" presetSubtype="0" fill="hold" grpId="0" nodeType="clickEffect">
-                                  <p:stCondLst>
-                                    <p:cond delay="0"/>
-                                  </p:stCondLst>
-                                  <p:childTnLst>
-                                    <p:set>
-                                      <p:cBhvr>
-                                        <p:cTn id="6" dur="1" fill="hold">
-                                          <p:stCondLst>
-                                            <p:cond delay="0"/>
-                                          </p:stCondLst>
-                                        </p:cTn>
-                                        <p:tgtEl>
-                                          <p:spTgt spid="3">
-                                            <p:txEl>
-                                              <p:pRg st="0" end="0"/>
-                                            </p:txEl>
-                                          </p:spTgt>
-                                        </p:tgtEl>
-                                        <p:attrNameLst>
-                                          <p:attrName>style.visibility</p:attrName>
-                                        </p:attrNameLst>
-                                      </p:cBhvr>
-                                      <p:to>
-                                        <p:strVal val="visible"/>
-                                      </p:to>
-                                    </p:set>
-                                  </p:childTnLst>
-                                </p:cTn>
-                              </p:par>
-                            </p:childTnLst>
-                          </p:cTn>
-                        </p:par>
-                      </p:childTnLst>
-                    </p:cTn>
-                  </p:par>
-                  <p:par>
-                    <p:cTn id="7" fill="hold">
-                      <p:stCondLst>
-                        <p:cond delay="indefinite"/>
-                      </p:stCondLst>
-                      <p:childTnLst>
-                        <p:par>
-                          <p:cTn id="8" fill="hold">
-                            <p:stCondLst>
-                              <p:cond delay="0"/>
-                            </p:stCondLst>
-                            <p:childTnLst>
-                              <p:par>
-                                <p:cTn id="9" presetID="2" presetClass="entr" presetSubtype="4" fill="hold" nodeType="clickEffect">
-                                  <p:stCondLst>
-                                    <p:cond delay="0"/>
-                                  </p:stCondLst>
-                                  <p:childTnLst>
-                                    <p:set>
-                                      <p:cBhvr>
-                                        <p:cTn id="10" dur="1" fill="hold">
-                                          <p:stCondLst>
-                                            <p:cond delay="0"/>
-                                          </p:stCondLst>
-                                        </p:cTn>
-                                        <p:tgtEl>
-                                          <p:spTgt spid="4"/>
-                                        </p:tgtEl>
-                                        <p:attrNameLst>
-                                          <p:attrName>style.visibility</p:attrName>
-                                        </p:attrNameLst>
-                                      </p:cBhvr>
-                                      <p:to>
-                                        <p:strVal val="visible"/>
-                                      </p:to>
-                                    </p:set>
-                                    <p:anim calcmode="lin" valueType="num">
-                                      <p:cBhvr additive="base">
-                                        <p:cTn id="11" dur="500" fill="hold"/>
-                                        <p:tgtEl>
-                                          <p:spTgt spid="4"/>
-                                        </p:tgtEl>
-                                        <p:attrNameLst>
-                                          <p:attrName>ppt_x</p:attrName>
-                                        </p:attrNameLst>
-                                      </p:cBhvr>
-                                      <p:tavLst>
-                                        <p:tav tm="0">
-                                          <p:val>
-                                            <p:strVal val="#ppt_x"/>
-                                          </p:val>
-                                        </p:tav>
-                                        <p:tav tm="100000">
-                                          <p:val>
-                                            <p:strVal val="#ppt_x"/>
-                                          </p:val>
-                                        </p:tav>
-                                      </p:tavLst>
-                                    </p:anim>
-                                    <p:anim calcmode="lin" valueType="num">
-                                      <p:cBhvr additive="base">
-                                        <p:cTn id="12" dur="500" fill="hold"/>
-                                        <p:tgtEl>
-                                          <p:spTgt spid="4"/>
-                                        </p:tgtEl>
-                                        <p:attrNameLst>
-                                          <p:attrName>ppt_y</p:attrName>
-                                        </p:attrNameLst>
-                                      </p:cBhvr>
-                                      <p:tavLst>
-                                        <p:tav tm="0">
-                                          <p:val>
-                                            <p:strVal val="1+#ppt_h/2"/>
-                                          </p:val>
-                                        </p:tav>
-                                        <p:tav tm="100000">
-                                          <p:val>
-                                            <p:strVal val="#ppt_y"/>
-                                          </p:val>
-                                        </p:tav>
-                                      </p:tavLst>
-                                    </p:anim>
-                                  </p:childTnLst>
-                                </p:cTn>
-                              </p:par>
-                            </p:childTnLst>
-                          </p:cTn>
-                        </p:par>
-                      </p:childTnLst>
-                    </p:cTn>
-                  </p:par>
-                </p:childTnLst>
-              </p:cTn>
-              <p:prevCondLst>
-                <p:cond evt="onPrev" delay="0">
-                  <p:tgtEl>
-                    <p:sldTgt/>
-                  </p:tgtEl>
-                </p:cond>
-              </p:prevCondLst>
-              <p:nextCondLst>
-                <p:cond evt="onNext" delay="0">
-                  <p:tgtEl>
-                    <p:sldTgt/>
-                  </p:tgtEl>
-                </p:cond>
-              </p:nextCondLst>
-            </p:seq>
-          </p:childTnLst>
-        </p:cTn>
-      </p:par>
-    </p:tnLst>
-    <p:bldLst>
-      <p:bldP spid="3" grpId="0" uiExpand="1" build="p"/>
-    </p:bldLst>
-  </p:timing>
-</p:sld>
-</file>
-
-<file path=ppt/slides/slide27.xml><?xml version="1.0" encoding="utf-8"?>
-<p:sld xmlns:a="http://schemas.openxmlformats.org/drawingml/2006/main" xmlns:r="http://schemas.openxmlformats.org/officeDocument/2006/relationships" xmlns:p="http://schemas.openxmlformats.org/presentationml/2006/main">
-  <p:cSld>
-    <p:spTree>
-      <p:nvGrpSpPr>
-        <p:cNvPr id="1" name=""/>
-        <p:cNvGrpSpPr/>
-        <p:nvPr/>
-      </p:nvGrpSpPr>
-      <p:grpSpPr>
-        <a:xfrm>
-          <a:off x="0" y="0"/>
-          <a:ext cx="0" cy="0"/>
-          <a:chOff x="0" y="0"/>
-          <a:chExt cx="0" cy="0"/>
-        </a:xfrm>
-      </p:grpSpPr>
-      <p:sp>
-        <p:nvSpPr>
-          <p:cNvPr id="2" name="Pavadinimas 1"/>
-          <p:cNvSpPr>
-            <a:spLocks noGrp="1"/>
-          </p:cNvSpPr>
-          <p:nvPr>
-            <p:ph type="ctrTitle"/>
-          </p:nvPr>
-        </p:nvSpPr>
-        <p:spPr>
-          <a:xfrm>
-            <a:off x="141316" y="228601"/>
-            <a:ext cx="10518370" cy="1112172"/>
-          </a:xfrm>
-        </p:spPr>
-        <p:txBody>
-          <a:bodyPr>
-            <a:normAutofit/>
-          </a:bodyPr>
-          <a:lstStyle/>
-          <a:p>
-            <a:pPr algn="ctr"/>
-            <a:r>
-              <a:rPr lang="lt-LT" b="1" dirty="0" err="1" smtClean="0"/>
-              <a:t>IActionResult</a:t>
-            </a:r>
-            <a:endParaRPr lang="lt-LT" dirty="0"/>
-          </a:p>
-        </p:txBody>
-      </p:sp>
-      <p:sp>
-        <p:nvSpPr>
-          <p:cNvPr id="3" name="Turinio vietos rezervavimo ženklas 2"/>
-          <p:cNvSpPr>
-            <a:spLocks noGrp="1"/>
-          </p:cNvSpPr>
-          <p:nvPr>
-            <p:ph type="subTitle" idx="1"/>
-          </p:nvPr>
-        </p:nvSpPr>
-        <p:spPr/>
-        <p:txBody>
-          <a:bodyPr/>
-          <a:lstStyle/>
-          <a:p>
-            <a:r>
-              <a:rPr lang="en-US" dirty="0" smtClean="0"/>
-              <a:t>An </a:t>
-            </a:r>
-            <a:r>
-              <a:rPr lang="en-US" dirty="0"/>
-              <a:t>action method in Web </a:t>
-            </a:r>
-            <a:r>
-              <a:rPr lang="en-US" dirty="0" smtClean="0"/>
-              <a:t>API </a:t>
-            </a:r>
-            <a:r>
-              <a:rPr lang="en-US" dirty="0"/>
-              <a:t>can return an implementation of </a:t>
-            </a:r>
-            <a:r>
-              <a:rPr lang="en-US" dirty="0" err="1" smtClean="0"/>
-              <a:t>IActionResult</a:t>
-            </a:r>
-            <a:r>
-              <a:rPr lang="en-US" dirty="0" smtClean="0"/>
-              <a:t> </a:t>
-            </a:r>
-            <a:r>
-              <a:rPr lang="en-US" dirty="0" smtClean="0"/>
-              <a:t>class</a:t>
-            </a:r>
-            <a:r>
-              <a:rPr lang="lt-LT" dirty="0" smtClean="0"/>
-              <a:t>.</a:t>
-            </a:r>
-          </a:p>
-          <a:p>
-            <a:r>
-              <a:rPr lang="en-US" dirty="0"/>
-              <a:t>You can create your own class that implements </a:t>
-            </a:r>
-            <a:r>
-              <a:rPr lang="en-US" dirty="0" err="1" smtClean="0"/>
-              <a:t>IActionResult</a:t>
-            </a:r>
-            <a:r>
-              <a:rPr lang="en-US" dirty="0" smtClean="0"/>
-              <a:t> </a:t>
-            </a:r>
-            <a:r>
-              <a:rPr lang="en-US" dirty="0"/>
-              <a:t>or use various methods of </a:t>
-            </a:r>
-            <a:r>
-              <a:rPr lang="en-US" dirty="0" smtClean="0"/>
-              <a:t>Controller </a:t>
-            </a:r>
-            <a:r>
-              <a:rPr lang="en-US" dirty="0"/>
-              <a:t>class that returns an object that implement the </a:t>
-            </a:r>
-            <a:r>
-              <a:rPr lang="en-US" dirty="0" err="1" smtClean="0"/>
-              <a:t>IActionResult</a:t>
-            </a:r>
-            <a:r>
-              <a:rPr lang="en-US" dirty="0"/>
-              <a:t>.</a:t>
-            </a:r>
-            <a:endParaRPr lang="lt-LT" dirty="0" smtClean="0"/>
-          </a:p>
-        </p:txBody>
-      </p:sp>
-    </p:spTree>
-    <p:extLst>
-      <p:ext uri="{BB962C8B-B14F-4D97-AF65-F5344CB8AC3E}">
-        <p14:creationId xmlns:p14="http://schemas.microsoft.com/office/powerpoint/2010/main" val="2058229950"/>
-      </p:ext>
-    </p:extLst>
-  </p:cSld>
-  <p:clrMapOvr>
-    <a:masterClrMapping/>
-  </p:clrMapOvr>
-  <p:timing>
-    <p:tnLst>
-      <p:par>
-        <p:cTn id="1" dur="indefinite" restart="never" nodeType="tmRoot">
-          <p:childTnLst>
-            <p:seq concurrent="1" nextAc="seek">
-              <p:cTn id="2" dur="indefinite" nodeType="mainSeq">
-                <p:childTnLst>
-                  <p:par>
-                    <p:cTn id="3" fill="hold">
-                      <p:stCondLst>
-                        <p:cond delay="indefinite"/>
-                      </p:stCondLst>
-                      <p:childTnLst>
-                        <p:par>
-                          <p:cTn id="4" fill="hold">
-                            <p:stCondLst>
-                              <p:cond delay="0"/>
-                            </p:stCondLst>
-                            <p:childTnLst>
-                              <p:par>
-                                <p:cTn id="5" presetID="1" presetClass="entr" presetSubtype="0" fill="hold" grpId="0" nodeType="clickEffect">
-                                  <p:stCondLst>
-                                    <p:cond delay="0"/>
-                                  </p:stCondLst>
-                                  <p:childTnLst>
-                                    <p:set>
-                                      <p:cBhvr>
-                                        <p:cTn id="6" dur="1" fill="hold">
-                                          <p:stCondLst>
-                                            <p:cond delay="0"/>
-                                          </p:stCondLst>
-                                        </p:cTn>
-                                        <p:tgtEl>
-                                          <p:spTgt spid="3">
-                                            <p:txEl>
-                                              <p:pRg st="0" end="0"/>
-                                            </p:txEl>
-                                          </p:spTgt>
-                                        </p:tgtEl>
-                                        <p:attrNameLst>
-                                          <p:attrName>style.visibility</p:attrName>
-                                        </p:attrNameLst>
-                                      </p:cBhvr>
-                                      <p:to>
-                                        <p:strVal val="visible"/>
-                                      </p:to>
-                                    </p:set>
-                                  </p:childTnLst>
-                                </p:cTn>
-                              </p:par>
-                            </p:childTnLst>
-                          </p:cTn>
-                        </p:par>
-                      </p:childTnLst>
-                    </p:cTn>
-                  </p:par>
-                  <p:par>
-                    <p:cTn id="7" fill="hold">
-                      <p:stCondLst>
-                        <p:cond delay="indefinite"/>
-                      </p:stCondLst>
-                      <p:childTnLst>
-                        <p:par>
-                          <p:cTn id="8" fill="hold">
-                            <p:stCondLst>
-                              <p:cond delay="0"/>
-                            </p:stCondLst>
-                            <p:childTnLst>
-                              <p:par>
-                                <p:cTn id="9" presetID="1" presetClass="entr" presetSubtype="0" fill="hold" grpId="0" nodeType="clickEffect">
-                                  <p:stCondLst>
-                                    <p:cond delay="0"/>
-                                  </p:stCondLst>
-                                  <p:childTnLst>
-                                    <p:set>
-                                      <p:cBhvr>
-                                        <p:cTn id="10" dur="1" fill="hold">
-                                          <p:stCondLst>
-                                            <p:cond delay="0"/>
-                                          </p:stCondLst>
-                                        </p:cTn>
-                                        <p:tgtEl>
-                                          <p:spTgt spid="3">
-                                            <p:txEl>
-                                              <p:pRg st="1" end="1"/>
-                                            </p:txEl>
-                                          </p:spTgt>
-                                        </p:tgtEl>
-                                        <p:attrNameLst>
-                                          <p:attrName>style.visibility</p:attrName>
-                                        </p:attrNameLst>
-                                      </p:cBhvr>
-                                      <p:to>
-                                        <p:strVal val="visible"/>
-                                      </p:to>
-                                    </p:set>
-                                  </p:childTnLst>
-                                </p:cTn>
-                              </p:par>
-                            </p:childTnLst>
-                          </p:cTn>
-                        </p:par>
-                      </p:childTnLst>
-                    </p:cTn>
-                  </p:par>
-                </p:childTnLst>
-              </p:cTn>
-              <p:prevCondLst>
-                <p:cond evt="onPrev" delay="0">
-                  <p:tgtEl>
-                    <p:sldTgt/>
-                  </p:tgtEl>
-                </p:cond>
-              </p:prevCondLst>
-              <p:nextCondLst>
-                <p:cond evt="onNext" delay="0">
-                  <p:tgtEl>
-                    <p:sldTgt/>
-                  </p:tgtEl>
-                </p:cond>
-              </p:nextCondLst>
-            </p:seq>
-          </p:childTnLst>
-        </p:cTn>
-      </p:par>
-    </p:tnLst>
-    <p:bldLst>
-      <p:bldP spid="3" grpId="0" uiExpand="1" build="p"/>
-    </p:bldLst>
-  </p:timing>
-</p:sld>
-</file>
-
-<file path=ppt/slides/slide28.xml><?xml version="1.0" encoding="utf-8"?>
-<p:sld xmlns:a="http://schemas.openxmlformats.org/drawingml/2006/main" xmlns:r="http://schemas.openxmlformats.org/officeDocument/2006/relationships" xmlns:p="http://schemas.openxmlformats.org/presentationml/2006/main">
-  <p:cSld>
-    <p:spTree>
-      <p:nvGrpSpPr>
-        <p:cNvPr id="1" name=""/>
-        <p:cNvGrpSpPr/>
-        <p:nvPr/>
-      </p:nvGrpSpPr>
-      <p:grpSpPr>
-        <a:xfrm>
-          <a:off x="0" y="0"/>
-          <a:ext cx="0" cy="0"/>
-          <a:chOff x="0" y="0"/>
-          <a:chExt cx="0" cy="0"/>
-        </a:xfrm>
-      </p:grpSpPr>
-      <p:sp>
-        <p:nvSpPr>
-          <p:cNvPr id="2" name="Pavadinimas 1"/>
-          <p:cNvSpPr>
-            <a:spLocks noGrp="1"/>
-          </p:cNvSpPr>
-          <p:nvPr>
-            <p:ph type="ctrTitle"/>
-          </p:nvPr>
-        </p:nvSpPr>
-        <p:spPr>
-          <a:xfrm>
-            <a:off x="141316" y="228601"/>
-            <a:ext cx="10518370" cy="1112172"/>
-          </a:xfrm>
-        </p:spPr>
-        <p:txBody>
-          <a:bodyPr>
-            <a:normAutofit/>
-          </a:bodyPr>
-          <a:lstStyle/>
-          <a:p>
-            <a:pPr algn="ctr"/>
-            <a:r>
-              <a:rPr lang="lt-LT" b="1" dirty="0" err="1"/>
-              <a:t>Media</a:t>
-            </a:r>
-            <a:r>
-              <a:rPr lang="lt-LT" b="1" dirty="0"/>
-              <a:t> </a:t>
-            </a:r>
-            <a:r>
-              <a:rPr lang="lt-LT" b="1" dirty="0" smtClean="0"/>
-              <a:t>Type</a:t>
-            </a:r>
-            <a:endParaRPr lang="lt-LT" dirty="0"/>
-          </a:p>
-        </p:txBody>
-      </p:sp>
-      <p:sp>
-        <p:nvSpPr>
-          <p:cNvPr id="3" name="Turinio vietos rezervavimo ženklas 2"/>
-          <p:cNvSpPr>
-            <a:spLocks noGrp="1"/>
-          </p:cNvSpPr>
-          <p:nvPr>
-            <p:ph type="subTitle" idx="1"/>
-          </p:nvPr>
-        </p:nvSpPr>
-        <p:spPr/>
-        <p:txBody>
-          <a:bodyPr/>
-          <a:lstStyle/>
-          <a:p>
-            <a:r>
-              <a:rPr lang="lt-LT" dirty="0" err="1"/>
-              <a:t>Media</a:t>
-            </a:r>
-            <a:r>
-              <a:rPr lang="lt-LT" dirty="0"/>
-              <a:t> </a:t>
-            </a:r>
-            <a:r>
-              <a:rPr lang="lt-LT" dirty="0" err="1" smtClean="0"/>
-              <a:t>type</a:t>
-            </a:r>
-            <a:r>
-              <a:rPr lang="lt-LT" dirty="0" smtClean="0"/>
-              <a:t> </a:t>
-            </a:r>
-            <a:r>
-              <a:rPr lang="lt-LT" dirty="0" err="1" smtClean="0"/>
-              <a:t>specifies</a:t>
-            </a:r>
-            <a:r>
-              <a:rPr lang="lt-LT" dirty="0" smtClean="0"/>
-              <a:t> </a:t>
-            </a:r>
-            <a:r>
-              <a:rPr lang="lt-LT" dirty="0" err="1"/>
-              <a:t>the</a:t>
-            </a:r>
-            <a:r>
-              <a:rPr lang="lt-LT" dirty="0"/>
-              <a:t> </a:t>
-            </a:r>
-            <a:r>
-              <a:rPr lang="lt-LT" dirty="0" err="1"/>
-              <a:t>format</a:t>
-            </a:r>
-            <a:r>
-              <a:rPr lang="lt-LT" dirty="0"/>
-              <a:t> </a:t>
-            </a:r>
-            <a:r>
-              <a:rPr lang="lt-LT" dirty="0" err="1"/>
-              <a:t>of</a:t>
-            </a:r>
-            <a:r>
-              <a:rPr lang="lt-LT" dirty="0"/>
-              <a:t> </a:t>
-            </a:r>
-            <a:r>
-              <a:rPr lang="lt-LT" dirty="0" err="1"/>
-              <a:t>the</a:t>
-            </a:r>
-            <a:r>
-              <a:rPr lang="lt-LT" dirty="0"/>
-              <a:t> data </a:t>
-            </a:r>
-            <a:r>
-              <a:rPr lang="lt-LT" dirty="0" err="1"/>
-              <a:t>as</a:t>
-            </a:r>
-            <a:r>
-              <a:rPr lang="lt-LT" dirty="0"/>
-              <a:t> </a:t>
-            </a:r>
-            <a:r>
-              <a:rPr lang="lt-LT" dirty="0" err="1"/>
-              <a:t>type</a:t>
-            </a:r>
-            <a:r>
-              <a:rPr lang="lt-LT" dirty="0"/>
-              <a:t>/</a:t>
-            </a:r>
-            <a:r>
-              <a:rPr lang="lt-LT" dirty="0" err="1"/>
-              <a:t>subtype</a:t>
-            </a:r>
-            <a:r>
-              <a:rPr lang="lt-LT" dirty="0"/>
-              <a:t> </a:t>
-            </a:r>
-            <a:r>
-              <a:rPr lang="lt-LT" dirty="0" err="1"/>
-              <a:t>e.g</a:t>
-            </a:r>
-            <a:r>
-              <a:rPr lang="lt-LT" dirty="0"/>
-              <a:t>. </a:t>
-            </a:r>
-            <a:r>
-              <a:rPr lang="lt-LT" dirty="0" err="1"/>
-              <a:t>text</a:t>
-            </a:r>
-            <a:r>
-              <a:rPr lang="lt-LT" dirty="0"/>
-              <a:t>/</a:t>
-            </a:r>
-            <a:r>
-              <a:rPr lang="lt-LT" dirty="0" err="1"/>
-              <a:t>html</a:t>
-            </a:r>
-            <a:r>
-              <a:rPr lang="lt-LT" dirty="0"/>
-              <a:t>, </a:t>
-            </a:r>
-            <a:r>
-              <a:rPr lang="lt-LT" dirty="0" err="1"/>
-              <a:t>text</a:t>
-            </a:r>
-            <a:r>
-              <a:rPr lang="lt-LT" dirty="0"/>
-              <a:t>/</a:t>
-            </a:r>
-            <a:r>
-              <a:rPr lang="lt-LT" dirty="0" err="1"/>
-              <a:t>xml</a:t>
-            </a:r>
-            <a:r>
-              <a:rPr lang="lt-LT" dirty="0"/>
-              <a:t>, </a:t>
-            </a:r>
-            <a:r>
-              <a:rPr lang="lt-LT" dirty="0" err="1"/>
-              <a:t>application</a:t>
-            </a:r>
-            <a:r>
-              <a:rPr lang="lt-LT" dirty="0"/>
-              <a:t>/</a:t>
-            </a:r>
-            <a:r>
-              <a:rPr lang="lt-LT" dirty="0" err="1"/>
-              <a:t>json</a:t>
-            </a:r>
-            <a:r>
-              <a:rPr lang="lt-LT" dirty="0"/>
-              <a:t>, </a:t>
-            </a:r>
-            <a:r>
-              <a:rPr lang="lt-LT" dirty="0" err="1"/>
-              <a:t>image</a:t>
-            </a:r>
-            <a:r>
-              <a:rPr lang="lt-LT" dirty="0"/>
-              <a:t>/</a:t>
-            </a:r>
-            <a:r>
-              <a:rPr lang="lt-LT" dirty="0" err="1"/>
-              <a:t>jpeg</a:t>
-            </a:r>
-            <a:r>
-              <a:rPr lang="lt-LT" dirty="0"/>
-              <a:t> etc</a:t>
-            </a:r>
-            <a:r>
-              <a:rPr lang="lt-LT" dirty="0" smtClean="0"/>
-              <a:t>.</a:t>
-            </a:r>
-            <a:endParaRPr lang="lt-LT" dirty="0"/>
-          </a:p>
-          <a:p>
-            <a:r>
-              <a:rPr lang="en-US" dirty="0"/>
-              <a:t>In HTTP request, MIME type is specified in the request header using </a:t>
-            </a:r>
-            <a:r>
-              <a:rPr lang="en-US" b="1" dirty="0"/>
-              <a:t>Accept</a:t>
-            </a:r>
-            <a:r>
-              <a:rPr lang="en-US" dirty="0"/>
-              <a:t> and </a:t>
-            </a:r>
-            <a:r>
-              <a:rPr lang="en-US" b="1" dirty="0"/>
-              <a:t>Content-Type</a:t>
-            </a:r>
-            <a:r>
-              <a:rPr lang="en-US" dirty="0"/>
-              <a:t> attribute. The Accept header attribute specifies the format of response data which the client expects and the Content-Type header attribute specifies the format of the data in the request body so that receiver can parse it into appropriate format.</a:t>
-            </a:r>
-            <a:endParaRPr lang="lt-LT" dirty="0" smtClean="0"/>
-          </a:p>
-        </p:txBody>
-      </p:sp>
-    </p:spTree>
-    <p:extLst>
-      <p:ext uri="{BB962C8B-B14F-4D97-AF65-F5344CB8AC3E}">
-        <p14:creationId xmlns:p14="http://schemas.microsoft.com/office/powerpoint/2010/main" val="177403502"/>
-      </p:ext>
-    </p:extLst>
-  </p:cSld>
-  <p:clrMapOvr>
-    <a:masterClrMapping/>
-  </p:clrMapOvr>
-  <p:timing>
-    <p:tnLst>
-      <p:par>
-        <p:cTn id="1" dur="indefinite" restart="never" nodeType="tmRoot">
-          <p:childTnLst>
-            <p:seq concurrent="1" nextAc="seek">
-              <p:cTn id="2" dur="indefinite" nodeType="mainSeq">
-                <p:childTnLst>
-                  <p:par>
-                    <p:cTn id="3" fill="hold">
-                      <p:stCondLst>
-                        <p:cond delay="indefinite"/>
-                      </p:stCondLst>
-                      <p:childTnLst>
-                        <p:par>
-                          <p:cTn id="4" fill="hold">
-                            <p:stCondLst>
-                              <p:cond delay="0"/>
-                            </p:stCondLst>
-                            <p:childTnLst>
-                              <p:par>
-                                <p:cTn id="5" presetID="1" presetClass="entr" presetSubtype="0" fill="hold" grpId="0" nodeType="clickEffect">
-                                  <p:stCondLst>
-                                    <p:cond delay="0"/>
-                                  </p:stCondLst>
-                                  <p:childTnLst>
-                                    <p:set>
-                                      <p:cBhvr>
-                                        <p:cTn id="6" dur="1" fill="hold">
-                                          <p:stCondLst>
-                                            <p:cond delay="0"/>
-                                          </p:stCondLst>
-                                        </p:cTn>
-                                        <p:tgtEl>
-                                          <p:spTgt spid="3">
-                                            <p:txEl>
-                                              <p:pRg st="0" end="0"/>
-                                            </p:txEl>
-                                          </p:spTgt>
-                                        </p:tgtEl>
-                                        <p:attrNameLst>
-                                          <p:attrName>style.visibility</p:attrName>
-                                        </p:attrNameLst>
-                                      </p:cBhvr>
-                                      <p:to>
-                                        <p:strVal val="visible"/>
-                                      </p:to>
-                                    </p:set>
-                                  </p:childTnLst>
-                                </p:cTn>
-                              </p:par>
-                            </p:childTnLst>
-                          </p:cTn>
-                        </p:par>
-                      </p:childTnLst>
-                    </p:cTn>
-                  </p:par>
-                  <p:par>
-                    <p:cTn id="7" fill="hold">
-                      <p:stCondLst>
-                        <p:cond delay="indefinite"/>
-                      </p:stCondLst>
-                      <p:childTnLst>
-                        <p:par>
-                          <p:cTn id="8" fill="hold">
-                            <p:stCondLst>
-                              <p:cond delay="0"/>
-                            </p:stCondLst>
-                            <p:childTnLst>
-                              <p:par>
-                                <p:cTn id="9" presetID="1" presetClass="entr" presetSubtype="0" fill="hold" grpId="0" nodeType="clickEffect">
-                                  <p:stCondLst>
-                                    <p:cond delay="0"/>
-                                  </p:stCondLst>
-                                  <p:childTnLst>
-                                    <p:set>
-                                      <p:cBhvr>
-                                        <p:cTn id="10" dur="1" fill="hold">
-                                          <p:stCondLst>
-                                            <p:cond delay="0"/>
-                                          </p:stCondLst>
-                                        </p:cTn>
-                                        <p:tgtEl>
-                                          <p:spTgt spid="3">
-                                            <p:txEl>
-                                              <p:pRg st="1" end="1"/>
-                                            </p:txEl>
-                                          </p:spTgt>
-                                        </p:tgtEl>
-                                        <p:attrNameLst>
-                                          <p:attrName>style.visibility</p:attrName>
-                                        </p:attrNameLst>
-                                      </p:cBhvr>
-                                      <p:to>
-                                        <p:strVal val="visible"/>
-                                      </p:to>
-                                    </p:set>
-                                  </p:childTnLst>
-                                </p:cTn>
-                              </p:par>
-                            </p:childTnLst>
-                          </p:cTn>
-                        </p:par>
-                      </p:childTnLst>
-                    </p:cTn>
-                  </p:par>
-                </p:childTnLst>
-              </p:cTn>
-              <p:prevCondLst>
-                <p:cond evt="onPrev" delay="0">
-                  <p:tgtEl>
-                    <p:sldTgt/>
-                  </p:tgtEl>
-                </p:cond>
-              </p:prevCondLst>
-              <p:nextCondLst>
-                <p:cond evt="onNext" delay="0">
-                  <p:tgtEl>
-                    <p:sldTgt/>
-                  </p:tgtEl>
-                </p:cond>
-              </p:nextCondLst>
-            </p:seq>
-          </p:childTnLst>
-        </p:cTn>
-      </p:par>
-    </p:tnLst>
-    <p:bldLst>
-      <p:bldP spid="3" grpId="0" uiExpand="1" build="p"/>
+      <p:bldP spid="3" grpId="0" build="p"/>
     </p:bldLst>
   </p:timing>
 </p:sld>
@@ -16884,13 +12139,8 @@
           <a:p>
             <a:r>
               <a:rPr lang="en-US" dirty="0" smtClean="0"/>
-              <a:t>ASP.NET Web API supports different formats of response data. Built-in support for JSON, XML, BSON format</a:t>
-            </a:r>
-            <a:r>
-              <a:rPr lang="en-US" dirty="0" smtClean="0"/>
-              <a:t>.</a:t>
-            </a:r>
-            <a:endParaRPr lang="en-US" dirty="0" smtClean="0"/>
+              <a:t>ASP.NET Web API supports different formats of response data. Built-in support for JSON, XML, BSON format.</a:t>
+            </a:r>
           </a:p>
         </p:txBody>
       </p:sp>
